--- a/vividtones.pptx
+++ b/vividtones.pptx
@@ -28,7 +28,9 @@
     <p:sldId id="293" r:id="rId22"/>
     <p:sldId id="294" r:id="rId23"/>
     <p:sldId id="283" r:id="rId24"/>
-    <p:sldId id="274" r:id="rId25"/>
+    <p:sldId id="295" r:id="rId25"/>
+    <p:sldId id="296" r:id="rId26"/>
+    <p:sldId id="274" r:id="rId27"/>
   </p:sldIdLst>
   <p:sldSz cx="12192000" cy="6858000"/>
   <p:notesSz cx="6858000" cy="9144000"/>
@@ -155,6 +157,8 @@
             <p14:sldId id="293"/>
             <p14:sldId id="294"/>
             <p14:sldId id="283"/>
+            <p14:sldId id="295"/>
+            <p14:sldId id="296"/>
             <p14:sldId id="274"/>
           </p14:sldIdLst>
         </p14:section>
@@ -913,7 +917,7 @@
             <a:fld id="{5923F103-BC34-4FE4-A40E-EDDEECFDA5D0}" type="datetimeFigureOut">
               <a:rPr lang="en-US" smtClean="0"/>
               <a:pPr/>
-              <a:t>10/17/2023</a:t>
+              <a:t>12/10/2023</a:t>
             </a:fld>
             <a:endParaRPr lang="en-US" dirty="0"/>
           </a:p>
@@ -1165,7 +1169,7 @@
           <a:p>
             <a:fld id="{2BE451C3-0FF4-47C4-B829-773ADF60F88C}" type="datetimeFigureOut">
               <a:rPr lang="en-US" smtClean="0"/>
-              <a:t>10/17/2023</a:t>
+              <a:t>12/10/2023</a:t>
             </a:fld>
             <a:endParaRPr lang="en-US" dirty="0"/>
           </a:p>
@@ -1481,7 +1485,7 @@
           <a:p>
             <a:fld id="{2BE451C3-0FF4-47C4-B829-773ADF60F88C}" type="datetimeFigureOut">
               <a:rPr lang="en-US" smtClean="0"/>
-              <a:t>10/17/2023</a:t>
+              <a:t>12/10/2023</a:t>
             </a:fld>
             <a:endParaRPr lang="en-US" dirty="0"/>
           </a:p>
@@ -1816,7 +1820,7 @@
           <a:p>
             <a:fld id="{2BE451C3-0FF4-47C4-B829-773ADF60F88C}" type="datetimeFigureOut">
               <a:rPr lang="en-US" smtClean="0"/>
-              <a:t>10/17/2023</a:t>
+              <a:t>12/10/2023</a:t>
             </a:fld>
             <a:endParaRPr lang="en-US" dirty="0"/>
           </a:p>
@@ -2132,7 +2136,7 @@
           <a:p>
             <a:fld id="{2BE451C3-0FF4-47C4-B829-773ADF60F88C}" type="datetimeFigureOut">
               <a:rPr lang="en-US" smtClean="0"/>
-              <a:t>10/17/2023</a:t>
+              <a:t>12/10/2023</a:t>
             </a:fld>
             <a:endParaRPr lang="en-US" dirty="0"/>
           </a:p>
@@ -2527,7 +2531,7 @@
           <a:p>
             <a:fld id="{2BE451C3-0FF4-47C4-B829-773ADF60F88C}" type="datetimeFigureOut">
               <a:rPr lang="en-US" smtClean="0"/>
-              <a:t>10/17/2023</a:t>
+              <a:t>12/10/2023</a:t>
             </a:fld>
             <a:endParaRPr lang="en-US" dirty="0"/>
           </a:p>
@@ -2699,7 +2703,7 @@
           <a:p>
             <a:fld id="{53086D93-FCAC-47E0-A2EE-787E62CA814C}" type="datetimeFigureOut">
               <a:rPr lang="en-US" smtClean="0"/>
-              <a:t>10/17/2023</a:t>
+              <a:t>12/10/2023</a:t>
             </a:fld>
             <a:endParaRPr lang="en-US" dirty="0"/>
           </a:p>
@@ -2880,7 +2884,7 @@
           <a:p>
             <a:fld id="{CDA879A6-0FD0-4734-A311-86BFCA472E6E}" type="datetimeFigureOut">
               <a:rPr lang="en-US" smtClean="0"/>
-              <a:t>10/17/2023</a:t>
+              <a:t>12/10/2023</a:t>
             </a:fld>
             <a:endParaRPr lang="en-US" dirty="0"/>
           </a:p>
@@ -3051,7 +3055,7 @@
           <a:p>
             <a:fld id="{19C9CA7B-DFD4-44B5-8C60-D14B8CD1FB59}" type="datetimeFigureOut">
               <a:rPr lang="en-US" smtClean="0"/>
-              <a:t>10/17/2023</a:t>
+              <a:t>12/10/2023</a:t>
             </a:fld>
             <a:endParaRPr lang="en-US" dirty="0"/>
           </a:p>
@@ -3299,7 +3303,7 @@
           <a:p>
             <a:fld id="{F34E6425-0181-43F2-84FC-787E803FD2F8}" type="datetimeFigureOut">
               <a:rPr lang="en-US" smtClean="0"/>
-              <a:t>10/17/2023</a:t>
+              <a:t>12/10/2023</a:t>
             </a:fld>
             <a:endParaRPr lang="en-US" dirty="0"/>
           </a:p>
@@ -3532,7 +3536,7 @@
           <a:p>
             <a:fld id="{3BDB8791-F1B0-41E7-B7FD-A781E65C4266}" type="datetimeFigureOut">
               <a:rPr lang="en-US" smtClean="0"/>
-              <a:t>10/17/2023</a:t>
+              <a:t>12/10/2023</a:t>
             </a:fld>
             <a:endParaRPr lang="en-US" dirty="0"/>
           </a:p>
@@ -3907,7 +3911,7 @@
           <a:p>
             <a:fld id="{5FDD63B2-E120-4ED8-B27B-C685F510A5FE}" type="datetimeFigureOut">
               <a:rPr lang="en-US" smtClean="0"/>
-              <a:t>10/17/2023</a:t>
+              <a:t>12/10/2023</a:t>
             </a:fld>
             <a:endParaRPr lang="en-US" dirty="0"/>
           </a:p>
@@ -4031,7 +4035,7 @@
           <a:p>
             <a:fld id="{7AA18ACC-A947-437B-A130-35BD54FDF1E9}" type="datetimeFigureOut">
               <a:rPr lang="en-US" smtClean="0"/>
-              <a:t>10/17/2023</a:t>
+              <a:t>12/10/2023</a:t>
             </a:fld>
             <a:endParaRPr lang="en-US" dirty="0"/>
           </a:p>
@@ -4127,7 +4131,7 @@
           <a:p>
             <a:fld id="{7C8D7E02-BCB8-4D50-A234-369438C08659}" type="datetimeFigureOut">
               <a:rPr lang="en-US" smtClean="0"/>
-              <a:t>10/17/2023</a:t>
+              <a:t>12/10/2023</a:t>
             </a:fld>
             <a:endParaRPr lang="en-US" dirty="0"/>
           </a:p>
@@ -4383,7 +4387,7 @@
           <a:p>
             <a:fld id="{76E86A4C-8E40-4F87-A4F0-01A0687C5742}" type="datetimeFigureOut">
               <a:rPr lang="en-US" smtClean="0"/>
-              <a:t>10/17/2023</a:t>
+              <a:t>12/10/2023</a:t>
             </a:fld>
             <a:endParaRPr lang="en-US" dirty="0"/>
           </a:p>
@@ -4689,7 +4693,7 @@
           <a:p>
             <a:fld id="{35E72C73-2D91-4E12-BA25-F0AA0C03599B}" type="datetimeFigureOut">
               <a:rPr lang="en-US" smtClean="0"/>
-              <a:t>10/17/2023</a:t>
+              <a:t>12/10/2023</a:t>
             </a:fld>
             <a:endParaRPr lang="en-US" dirty="0"/>
           </a:p>
@@ -5391,7 +5395,7 @@
           <a:p>
             <a:fld id="{2BE451C3-0FF4-47C4-B829-773ADF60F88C}" type="datetimeFigureOut">
               <a:rPr lang="en-US" smtClean="0"/>
-              <a:t>10/17/2023</a:t>
+              <a:t>12/10/2023</a:t>
             </a:fld>
             <a:endParaRPr lang="en-US" dirty="0"/>
           </a:p>
@@ -5935,13 +5939,13 @@
         </p:nvSpPr>
         <p:spPr>
           <a:xfrm>
-            <a:off x="7210949" y="4873454"/>
-            <a:ext cx="2964711" cy="1511467"/>
+            <a:off x="6096000" y="4679058"/>
+            <a:ext cx="3470787" cy="2178942"/>
           </a:xfrm>
         </p:spPr>
         <p:txBody>
           <a:bodyPr>
-            <a:normAutofit fontScale="77500" lnSpcReduction="20000"/>
+            <a:noAutofit/>
           </a:bodyPr>
           <a:lstStyle/>
           <a:p>
@@ -5949,7 +5953,7 @@
               <a:buNone/>
             </a:pPr>
             <a:r>
-              <a:rPr lang="en-IN" b="1" dirty="0">
+              <a:rPr lang="en-IN" sz="1600" b="1" dirty="0">
                 <a:solidFill>
                   <a:srgbClr val="FF0000"/>
                 </a:solidFill>
@@ -5962,8 +5966,12 @@
               <a:buNone/>
             </a:pPr>
             <a:r>
-              <a:rPr lang="en-IN" b="1" dirty="0"/>
-              <a:t>Gajji Chakrapani-20D41A6620</a:t>
+              <a:rPr lang="en-IN" sz="1600" b="1" dirty="0" err="1"/>
+              <a:t>Gajji</a:t>
+            </a:r>
+            <a:r>
+              <a:rPr lang="en-IN" sz="1600" b="1" dirty="0"/>
+              <a:t> Chakrapani-20D41A6620</a:t>
             </a:r>
           </a:p>
           <a:p>
@@ -5971,8 +5979,12 @@
               <a:buNone/>
             </a:pPr>
             <a:r>
-              <a:rPr lang="en-IN" b="1" dirty="0"/>
-              <a:t>Bethi Divya-20D41A6609</a:t>
+              <a:rPr lang="en-IN" sz="1600" b="1" dirty="0" err="1"/>
+              <a:t>Avula</a:t>
+            </a:r>
+            <a:r>
+              <a:rPr lang="en-IN" sz="1600" b="1" dirty="0"/>
+              <a:t> Rishikesh-20D41A6604</a:t>
             </a:r>
           </a:p>
           <a:p>
@@ -5980,8 +5992,8 @@
               <a:buNone/>
             </a:pPr>
             <a:r>
-              <a:rPr lang="en-IN" b="1" dirty="0"/>
-              <a:t>Vuppala Likitha-20D41A6660</a:t>
+              <a:rPr lang="en-IN" sz="1600" b="1" dirty="0"/>
+              <a:t>Bethi Divya-20D41A6609</a:t>
             </a:r>
           </a:p>
           <a:p>
@@ -5989,15 +6001,13 @@
               <a:buNone/>
             </a:pPr>
             <a:r>
-              <a:rPr lang="en-IN" b="1" dirty="0"/>
-              <a:t>Avula Rishikesh-20D41A6604</a:t>
-            </a:r>
-          </a:p>
-          <a:p>
-            <a:pPr marL="0" indent="0">
-              <a:buNone/>
-            </a:pPr>
-            <a:endParaRPr lang="en-IN" dirty="0"/>
+              <a:rPr lang="en-IN" sz="1600" b="1" dirty="0" err="1"/>
+              <a:t>Vuppala</a:t>
+            </a:r>
+            <a:r>
+              <a:rPr lang="en-IN" sz="1600" b="1" dirty="0"/>
+              <a:t> Likitha-20D41A6660</a:t>
+            </a:r>
           </a:p>
         </p:txBody>
       </p:sp>
@@ -6030,7 +6040,7 @@
         </p:blipFill>
         <p:spPr bwMode="auto">
           <a:xfrm>
-            <a:off x="1560871" y="681128"/>
+            <a:off x="954884" y="435321"/>
             <a:ext cx="4613787" cy="1207765"/>
           </a:xfrm>
           <a:prstGeom prst="rect">
@@ -6064,8 +6074,8 @@
         </p:nvSpPr>
         <p:spPr>
           <a:xfrm flipH="1">
-            <a:off x="-2" y="2185018"/>
-            <a:ext cx="11503741" cy="2554130"/>
+            <a:off x="954884" y="1918419"/>
+            <a:ext cx="8495072" cy="2485305"/>
           </a:xfrm>
           <a:prstGeom prst="rect">
             <a:avLst/>
@@ -6157,7 +6167,7 @@
           </a:lstStyle>
           <a:p>
             <a:r>
-              <a:rPr lang="en-IN" sz="3300" dirty="0">
+              <a:rPr lang="en-IN" sz="3300" b="1" dirty="0">
                 <a:latin typeface="Times New Roman" panose="02020603050405020304" pitchFamily="18" charset="0"/>
                 <a:cs typeface="Times New Roman" panose="02020603050405020304" pitchFamily="18" charset="0"/>
               </a:rPr>
@@ -6166,7 +6176,7 @@
           </a:p>
           <a:p>
             <a:r>
-              <a:rPr lang="en-IN" sz="3300" dirty="0">
+              <a:rPr lang="en-IN" sz="3300" b="1" dirty="0">
                 <a:latin typeface="Times New Roman" panose="02020603050405020304" pitchFamily="18" charset="0"/>
                 <a:cs typeface="Times New Roman" panose="02020603050405020304" pitchFamily="18" charset="0"/>
               </a:rPr>
@@ -6246,8 +6256,8 @@
         </p:nvSpPr>
         <p:spPr>
           <a:xfrm>
-            <a:off x="954884" y="3696928"/>
-            <a:ext cx="3872754" cy="2308324"/>
+            <a:off x="954884" y="4679057"/>
+            <a:ext cx="3872754" cy="892552"/>
           </a:xfrm>
           <a:prstGeom prst="rect">
             <a:avLst/>
@@ -6263,70 +6273,40 @@
             <a:pPr marL="0" indent="0">
               <a:buNone/>
             </a:pPr>
-            <a:endParaRPr lang="en-IN" dirty="0"/>
+            <a:r>
+              <a:rPr lang="en-IN" sz="1600" b="1" dirty="0">
+                <a:solidFill>
+                  <a:srgbClr val="FF0000"/>
+                </a:solidFill>
+              </a:rPr>
+              <a:t>   </a:t>
+            </a:r>
+            <a:r>
+              <a:rPr lang="en-IN" b="1" dirty="0">
+                <a:solidFill>
+                  <a:srgbClr val="FF0000"/>
+                </a:solidFill>
+              </a:rPr>
+              <a:t>Under the Guidance of:</a:t>
+            </a:r>
           </a:p>
           <a:p>
             <a:pPr marL="0" indent="0">
               <a:buNone/>
             </a:pPr>
-            <a:endParaRPr lang="en-IN" dirty="0"/>
+            <a:endParaRPr lang="en-IN" b="1" dirty="0">
+              <a:solidFill>
+                <a:srgbClr val="FF0000"/>
+              </a:solidFill>
+            </a:endParaRPr>
           </a:p>
           <a:p>
             <a:pPr marL="0" indent="0">
               <a:buNone/>
             </a:pPr>
-            <a:endParaRPr lang="en-IN" dirty="0"/>
-          </a:p>
-          <a:p>
-            <a:pPr marL="0" indent="0">
-              <a:buNone/>
-            </a:pPr>
-            <a:endParaRPr lang="en-IN" dirty="0"/>
-          </a:p>
-          <a:p>
-            <a:pPr marL="0" indent="0">
-              <a:buNone/>
-            </a:pPr>
-            <a:endParaRPr lang="en-IN" dirty="0"/>
-          </a:p>
-          <a:p>
-            <a:pPr marL="0" indent="0">
-              <a:buNone/>
-            </a:pPr>
-            <a:endParaRPr lang="en-IN" dirty="0"/>
-          </a:p>
-          <a:p>
-            <a:pPr marL="0" indent="0">
-              <a:buNone/>
-            </a:pPr>
-            <a:r>
-              <a:rPr lang="en-IN" b="1" dirty="0">
-                <a:solidFill>
-                  <a:srgbClr val="FF0000"/>
-                </a:solidFill>
-              </a:rPr>
-              <a:t>   Under the Guidance of</a:t>
-            </a:r>
-            <a:r>
-              <a:rPr lang="en-IN" dirty="0">
-                <a:solidFill>
-                  <a:srgbClr val="FF0000"/>
-                </a:solidFill>
-              </a:rPr>
-              <a:t>:</a:t>
-            </a:r>
-          </a:p>
-          <a:p>
-            <a:pPr marL="0" indent="0">
-              <a:buNone/>
-            </a:pPr>
-            <a:r>
-              <a:rPr lang="en-IN" dirty="0"/>
-              <a:t>    </a:t>
-            </a:r>
-            <a:r>
-              <a:rPr lang="en-IN" sz="1600" dirty="0"/>
-              <a:t>Dr.Adeline Johnsana J.S  mam</a:t>
+            <a:r>
+              <a:rPr lang="en-IN" sz="1600" b="1" dirty="0"/>
+              <a:t>    Dr.Adeline Johnsana J.S</a:t>
             </a:r>
           </a:p>
         </p:txBody>
@@ -6379,81 +6359,132 @@
         </p:nvSpPr>
         <p:spPr>
           <a:xfrm>
-            <a:off x="389966" y="645459"/>
-            <a:ext cx="8884036" cy="5553636"/>
+            <a:off x="468624" y="1288320"/>
+            <a:ext cx="8950679" cy="5161641"/>
           </a:xfrm>
         </p:spPr>
         <p:txBody>
           <a:bodyPr>
-            <a:normAutofit fontScale="85000" lnSpcReduction="20000"/>
+            <a:noAutofit/>
           </a:bodyPr>
           <a:lstStyle/>
           <a:p>
-            <a:pPr marL="0" indent="0" algn="l">
+            <a:pPr marL="0" indent="0" algn="just">
               <a:buNone/>
             </a:pPr>
             <a:r>
-              <a:rPr lang="en-US" sz="2800" b="1" dirty="0">
+              <a:rPr lang="en-US" sz="2400" b="0" i="0" dirty="0" err="1">
+                <a:effectLst/>
                 <a:latin typeface="Times New Roman" panose="02020603050405020304" pitchFamily="18" charset="0"/>
                 <a:cs typeface="Times New Roman" panose="02020603050405020304" pitchFamily="18" charset="0"/>
               </a:rPr>
-              <a:t>PyTorch:-</a:t>
-            </a:r>
-          </a:p>
-          <a:p>
-            <a:pPr marL="0" indent="0" algn="l">
-              <a:buNone/>
-            </a:pPr>
+              <a:t>PyTorch</a:t>
+            </a:r>
             <a:r>
               <a:rPr lang="en-US" sz="2400" b="0" i="0" dirty="0">
                 <a:effectLst/>
                 <a:latin typeface="Times New Roman" panose="02020603050405020304" pitchFamily="18" charset="0"/>
                 <a:cs typeface="Times New Roman" panose="02020603050405020304" pitchFamily="18" charset="0"/>
               </a:rPr>
-              <a:t>PyTorch is a powerful and popular Python library for deep learning and machine learning tasks. It's like a toolbox that provides various tools and functions specifically designed for building and training neural networks, which are used in tasks like image recognition, natural language processing, and more.</a:t>
-            </a:r>
-          </a:p>
-          <a:p>
-            <a:pPr marL="0" indent="0" algn="l">
-              <a:buNone/>
-            </a:pPr>
-            <a:r>
-              <a:rPr lang="en-US" sz="2400" b="0" i="0" dirty="0">
+              <a:t> is a powerful Python deep learning framework that facilitates neural network development and training for tasks such as image recognition and natural language processing. </a:t>
+            </a:r>
+            <a:r>
+              <a:rPr lang="en-US" sz="2400" b="0" i="0" dirty="0" err="1">
                 <a:effectLst/>
                 <a:latin typeface="Times New Roman" panose="02020603050405020304" pitchFamily="18" charset="0"/>
                 <a:cs typeface="Times New Roman" panose="02020603050405020304" pitchFamily="18" charset="0"/>
               </a:rPr>
-              <a:t>One of the key features of PyTorch is its ability to create and manipulate tensors, which are similar to multi-dimensional arrays. Tensors are at the core of deep learning computations, allowing you to perform operations like matrix multiplications and gradients efficiently. PyTorch also offers automatic differentiation, making it easier to compute gradients and update the parameters of neural networks during training.</a:t>
-            </a:r>
-          </a:p>
-          <a:p>
-            <a:pPr marL="0" indent="0" algn="l">
-              <a:buNone/>
-            </a:pPr>
+              <a:t>PyTorch's</a:t>
+            </a:r>
             <a:r>
               <a:rPr lang="en-US" sz="2400" b="0" i="0" dirty="0">
                 <a:effectLst/>
                 <a:latin typeface="Times New Roman" panose="02020603050405020304" pitchFamily="18" charset="0"/>
                 <a:cs typeface="Times New Roman" panose="02020603050405020304" pitchFamily="18" charset="0"/>
               </a:rPr>
-              <a:t>Moreover, PyTorch provides a wide range of pre-built layers, loss functions, and optimization algorithms, simplifying the process of designing and training neural networks. Its dynamic computation graph allows for flexible model architectures and dynamic control flow, making it easier to experiment with different network structures.</a:t>
-            </a:r>
-          </a:p>
-          <a:p>
-            <a:pPr marL="0" indent="0" algn="l">
-              <a:buNone/>
-            </a:pPr>
-            <a:r>
-              <a:rPr lang="en-US" sz="2400" b="0" i="0" dirty="0">
+              <a:t> primary functionality is the manipulation of tensors, which are similar to multi-dimensional arrays and allow for efficient operations such as matrix multiplications and gradient computations. Automatic differentiation facilitates parameter updates during network training by simplifying gradient computations. </a:t>
+            </a:r>
+            <a:r>
+              <a:rPr lang="en-US" sz="2400" b="0" i="0" dirty="0" err="1">
                 <a:effectLst/>
                 <a:latin typeface="Times New Roman" panose="02020603050405020304" pitchFamily="18" charset="0"/>
                 <a:cs typeface="Times New Roman" panose="02020603050405020304" pitchFamily="18" charset="0"/>
               </a:rPr>
-              <a:t>In summary, PyTorch is a versatile library that empowers developers and researchers to work with neural networks effectively. Its intuitive design and extensive community support have made it a preferred choice for deep learning tasks, enabling innovations in artificial intelligence and machine learning.</a:t>
-            </a:r>
-          </a:p>
-          <a:p>
-            <a:endParaRPr lang="en-IN" dirty="0"/>
+              <a:t>PyTorch</a:t>
+            </a:r>
+            <a:r>
+              <a:rPr lang="en-US" sz="2400" b="0" i="0" dirty="0">
+                <a:effectLst/>
+                <a:latin typeface="Times New Roman" panose="02020603050405020304" pitchFamily="18" charset="0"/>
+                <a:cs typeface="Times New Roman" panose="02020603050405020304" pitchFamily="18" charset="0"/>
+              </a:rPr>
+              <a:t> simplifies network building and training by providing pre-built layers, loss functions, and optimization methods. Its dynamic computing graph allows for adaptable model topologies and control flow, allowing for experimentation. Overall, </a:t>
+            </a:r>
+            <a:r>
+              <a:rPr lang="en-US" sz="2400" b="0" i="0" dirty="0" err="1">
+                <a:effectLst/>
+                <a:latin typeface="Times New Roman" panose="02020603050405020304" pitchFamily="18" charset="0"/>
+                <a:cs typeface="Times New Roman" panose="02020603050405020304" pitchFamily="18" charset="0"/>
+              </a:rPr>
+              <a:t>PyTorch's</a:t>
+            </a:r>
+            <a:r>
+              <a:rPr lang="en-US" sz="2400" b="0" i="0" dirty="0">
+                <a:effectLst/>
+                <a:latin typeface="Times New Roman" panose="02020603050405020304" pitchFamily="18" charset="0"/>
+                <a:cs typeface="Times New Roman" panose="02020603050405020304" pitchFamily="18" charset="0"/>
+              </a:rPr>
+              <a:t> versatility, straightforward architecture, and active community support make it a go-to choice for AI and machine learning developments.</a:t>
+            </a:r>
+            <a:endParaRPr lang="en-IN" sz="2400" dirty="0"/>
+          </a:p>
+        </p:txBody>
+      </p:sp>
+      <p:sp>
+        <p:nvSpPr>
+          <p:cNvPr id="2" name="TextBox 1">
+            <a:extLst>
+              <a:ext uri="{FF2B5EF4-FFF2-40B4-BE49-F238E27FC236}">
+                <a16:creationId xmlns:a16="http://schemas.microsoft.com/office/drawing/2014/main" id="{7EDBCE75-E50A-6C26-E777-E282C6BD0B40}"/>
+              </a:ext>
+            </a:extLst>
+          </p:cNvPr>
+          <p:cNvSpPr txBox="1"/>
+          <p:nvPr/>
+        </p:nvSpPr>
+        <p:spPr>
+          <a:xfrm>
+            <a:off x="707922" y="334296"/>
+            <a:ext cx="2428567" cy="646331"/>
+          </a:xfrm>
+          <a:prstGeom prst="rect">
+            <a:avLst/>
+          </a:prstGeom>
+          <a:noFill/>
+        </p:spPr>
+        <p:txBody>
+          <a:bodyPr wrap="square" rtlCol="0">
+            <a:spAutoFit/>
+          </a:bodyPr>
+          <a:lstStyle/>
+          <a:p>
+            <a:r>
+              <a:rPr lang="en-US" sz="3600" b="1" dirty="0" err="1">
+                <a:solidFill>
+                  <a:srgbClr val="FF0000"/>
+                </a:solidFill>
+                <a:latin typeface="Times New Roman" panose="02020603050405020304" pitchFamily="18" charset="0"/>
+                <a:cs typeface="Times New Roman" panose="02020603050405020304" pitchFamily="18" charset="0"/>
+              </a:rPr>
+              <a:t>PyTorch</a:t>
+            </a:r>
+            <a:endParaRPr lang="en-US" sz="3600" b="1" dirty="0">
+              <a:solidFill>
+                <a:srgbClr val="FF0000"/>
+              </a:solidFill>
+              <a:latin typeface="Times New Roman" panose="02020603050405020304" pitchFamily="18" charset="0"/>
+              <a:cs typeface="Times New Roman" panose="02020603050405020304" pitchFamily="18" charset="0"/>
+            </a:endParaRPr>
           </a:p>
         </p:txBody>
       </p:sp>
@@ -6506,15 +6537,23 @@
         <p:spPr>
           <a:xfrm>
             <a:off x="838200" y="324783"/>
-            <a:ext cx="10515600" cy="1325563"/>
+            <a:ext cx="6231194" cy="658017"/>
           </a:xfrm>
         </p:spPr>
         <p:txBody>
-          <a:bodyPr/>
+          <a:bodyPr>
+            <a:noAutofit/>
+          </a:bodyPr>
           <a:lstStyle/>
           <a:p>
             <a:r>
-              <a:rPr lang="en-IN" b="1" dirty="0"/>
+              <a:rPr lang="en-IN" b="1" dirty="0">
+                <a:solidFill>
+                  <a:srgbClr val="FF0000"/>
+                </a:solidFill>
+                <a:latin typeface="Times New Roman" panose="02020603050405020304" pitchFamily="18" charset="0"/>
+                <a:cs typeface="Times New Roman" panose="02020603050405020304" pitchFamily="18" charset="0"/>
+              </a:rPr>
               <a:t>SYSTEM ARCHITECTURE</a:t>
             </a:r>
           </a:p>
@@ -6568,7 +6607,10 @@
               <a:buNone/>
             </a:pPr>
             <a:r>
-              <a:rPr lang="en-IN" dirty="0"/>
+              <a:rPr lang="en-IN" sz="2000" dirty="0">
+                <a:latin typeface="Times New Roman" panose="02020603050405020304" pitchFamily="18" charset="0"/>
+                <a:cs typeface="Times New Roman" panose="02020603050405020304" pitchFamily="18" charset="0"/>
+              </a:rPr>
               <a:t>Input image</a:t>
             </a:r>
           </a:p>
@@ -6622,7 +6664,10 @@
               <a:buNone/>
             </a:pPr>
             <a:r>
-              <a:rPr lang="en-IN" dirty="0"/>
+              <a:rPr lang="en-IN" sz="2000" dirty="0">
+                <a:latin typeface="Times New Roman" panose="02020603050405020304" pitchFamily="18" charset="0"/>
+                <a:cs typeface="Times New Roman" panose="02020603050405020304" pitchFamily="18" charset="0"/>
+              </a:rPr>
               <a:t>preprocessing</a:t>
             </a:r>
           </a:p>
@@ -6676,7 +6721,10 @@
               <a:buNone/>
             </a:pPr>
             <a:r>
-              <a:rPr lang="en-IN" dirty="0"/>
+              <a:rPr lang="en-IN" sz="2000" dirty="0">
+                <a:latin typeface="Times New Roman" panose="02020603050405020304" pitchFamily="18" charset="0"/>
+                <a:cs typeface="Times New Roman" panose="02020603050405020304" pitchFamily="18" charset="0"/>
+              </a:rPr>
               <a:t>Colorization    model selection </a:t>
             </a:r>
           </a:p>
@@ -6730,7 +6778,10 @@
               <a:buNone/>
             </a:pPr>
             <a:r>
-              <a:rPr lang="en-IN" dirty="0"/>
+              <a:rPr lang="en-IN" sz="2000" dirty="0">
+                <a:latin typeface="Times New Roman" panose="02020603050405020304" pitchFamily="18" charset="0"/>
+                <a:cs typeface="Times New Roman" panose="02020603050405020304" pitchFamily="18" charset="0"/>
+              </a:rPr>
               <a:t>output image</a:t>
             </a:r>
           </a:p>
@@ -22856,8 +22907,8 @@
         </p:nvSpPr>
         <p:spPr>
           <a:xfrm>
-            <a:off x="1116106" y="607290"/>
-            <a:ext cx="9387200" cy="1678709"/>
+            <a:off x="1688694" y="725277"/>
+            <a:ext cx="2966593" cy="739730"/>
           </a:xfrm>
         </p:spPr>
         <p:txBody>
@@ -22866,16 +22917,13 @@
           </a:bodyPr>
           <a:lstStyle/>
           <a:p>
-            <a:br>
+            <a:r>
               <a:rPr lang="en-IN" b="1" dirty="0">
-                <a:latin typeface="Dubai Medium" panose="020B0603030403030204" pitchFamily="34" charset="-78"/>
-                <a:cs typeface="Dubai Medium" panose="020B0603030403030204" pitchFamily="34" charset="-78"/>
-              </a:rPr>
-            </a:br>
-            <a:r>
-              <a:rPr lang="en-IN" b="1" dirty="0">
-                <a:latin typeface="Dubai Medium" panose="020B0603030403030204" pitchFamily="34" charset="-78"/>
-                <a:cs typeface="Dubai Medium" panose="020B0603030403030204" pitchFamily="34" charset="-78"/>
+                <a:solidFill>
+                  <a:srgbClr val="FF0000"/>
+                </a:solidFill>
+                <a:latin typeface="Times New Roman" panose="02020603050405020304" pitchFamily="18" charset="0"/>
+                <a:cs typeface="Times New Roman" panose="02020603050405020304" pitchFamily="18" charset="0"/>
               </a:rPr>
               <a:t>CONTENTS</a:t>
             </a:r>
@@ -22900,8 +22948,8 @@
         </p:nvSpPr>
         <p:spPr>
           <a:xfrm>
-            <a:off x="4074460" y="1922929"/>
-            <a:ext cx="3190422" cy="4327781"/>
+            <a:off x="1688694" y="1804942"/>
+            <a:ext cx="4790764" cy="4327781"/>
           </a:xfrm>
         </p:spPr>
         <p:txBody>
@@ -22960,7 +23008,7 @@
                 <a:latin typeface="Times New Roman" panose="02020603050405020304" pitchFamily="18" charset="0"/>
                 <a:cs typeface="Times New Roman" panose="02020603050405020304" pitchFamily="18" charset="0"/>
               </a:rPr>
-              <a:t>Modules</a:t>
+              <a:t>Libraries used</a:t>
             </a:r>
           </a:p>
           <a:p>
@@ -22985,7 +23033,7 @@
             <a:pPr marL="0" indent="0">
               <a:buNone/>
             </a:pPr>
-            <a:endParaRPr lang="en-IN" dirty="0">
+            <a:endParaRPr lang="en-IN" sz="2400" dirty="0">
               <a:latin typeface="Calisto MT" panose="02040603050505030304" pitchFamily="18" charset="0"/>
             </a:endParaRPr>
           </a:p>
@@ -26461,13 +26509,21 @@
             <p:ph type="title"/>
           </p:nvPr>
         </p:nvSpPr>
-        <p:spPr/>
+        <p:spPr>
+          <a:xfrm>
+            <a:off x="1748118" y="324465"/>
+            <a:ext cx="4278124" cy="770250"/>
+          </a:xfrm>
+        </p:spPr>
         <p:txBody>
           <a:bodyPr/>
           <a:lstStyle/>
           <a:p>
             <a:r>
               <a:rPr lang="en-IN" b="1" dirty="0">
+                <a:solidFill>
+                  <a:srgbClr val="FF0000"/>
+                </a:solidFill>
                 <a:latin typeface="Times New Roman" panose="02020603050405020304" pitchFamily="18" charset="0"/>
                 <a:cs typeface="Times New Roman" panose="02020603050405020304" pitchFamily="18" charset="0"/>
               </a:rPr>
@@ -26492,16 +26548,15 @@
             <p:ph idx="1"/>
           </p:nvPr>
         </p:nvPicPr>
-        <p:blipFill>
+        <p:blipFill rotWithShape="1">
           <a:blip r:embed="rId2"/>
-          <a:stretch>
-            <a:fillRect/>
-          </a:stretch>
+          <a:srcRect r="55705" b="50792"/>
+          <a:stretch/>
         </p:blipFill>
         <p:spPr>
           <a:xfrm>
-            <a:off x="1748118" y="1379850"/>
-            <a:ext cx="6574988" cy="4868550"/>
+            <a:off x="1748117" y="1379850"/>
+            <a:ext cx="5901379" cy="4854514"/>
           </a:xfrm>
           <a:prstGeom prst="rect">
             <a:avLst/>
@@ -26518,10 +26573,246 @@
   <p:clrMapOvr>
     <a:masterClrMapping/>
   </p:clrMapOvr>
+  <mc:AlternateContent xmlns:mc="http://schemas.openxmlformats.org/markup-compatibility/2006">
+    <mc:Choice xmlns:p159="http://schemas.microsoft.com/office/powerpoint/2015/09/main" Requires="p159">
+      <p:transition xmlns:p14="http://schemas.microsoft.com/office/powerpoint/2010/main" spd="slow" p14:dur="2000">
+        <p159:morph option="byObject"/>
+      </p:transition>
+    </mc:Choice>
+    <mc:Fallback>
+      <p:transition spd="slow">
+        <p:fade/>
+      </p:transition>
+    </mc:Fallback>
+  </mc:AlternateContent>
 </p:sld>
 </file>
 
 <file path=ppt/slides/slide24.xml><?xml version="1.0" encoding="utf-8"?>
+<p:sld xmlns:a="http://schemas.openxmlformats.org/drawingml/2006/main" xmlns:r="http://schemas.openxmlformats.org/officeDocument/2006/relationships" xmlns:p="http://schemas.openxmlformats.org/presentationml/2006/main">
+  <p:cSld>
+    <p:spTree>
+      <p:nvGrpSpPr>
+        <p:cNvPr id="1" name=""/>
+        <p:cNvGrpSpPr/>
+        <p:nvPr/>
+      </p:nvGrpSpPr>
+      <p:grpSpPr>
+        <a:xfrm>
+          <a:off x="0" y="0"/>
+          <a:ext cx="0" cy="0"/>
+          <a:chOff x="0" y="0"/>
+          <a:chExt cx="0" cy="0"/>
+        </a:xfrm>
+      </p:grpSpPr>
+      <p:sp>
+        <p:nvSpPr>
+          <p:cNvPr id="2" name="Title 1">
+            <a:extLst>
+              <a:ext uri="{FF2B5EF4-FFF2-40B4-BE49-F238E27FC236}">
+                <a16:creationId xmlns:a16="http://schemas.microsoft.com/office/drawing/2014/main" id="{D4B2907C-1050-79A4-638A-2643B1A818D5}"/>
+              </a:ext>
+            </a:extLst>
+          </p:cNvPr>
+          <p:cNvSpPr>
+            <a:spLocks noGrp="1"/>
+          </p:cNvSpPr>
+          <p:nvPr>
+            <p:ph type="title"/>
+          </p:nvPr>
+        </p:nvSpPr>
+        <p:spPr>
+          <a:xfrm>
+            <a:off x="1748118" y="324465"/>
+            <a:ext cx="4278124" cy="770250"/>
+          </a:xfrm>
+        </p:spPr>
+        <p:txBody>
+          <a:bodyPr/>
+          <a:lstStyle/>
+          <a:p>
+            <a:r>
+              <a:rPr lang="en-IN" b="1" dirty="0">
+                <a:solidFill>
+                  <a:srgbClr val="FF0000"/>
+                </a:solidFill>
+                <a:latin typeface="Times New Roman" panose="02020603050405020304" pitchFamily="18" charset="0"/>
+                <a:cs typeface="Times New Roman" panose="02020603050405020304" pitchFamily="18" charset="0"/>
+              </a:rPr>
+              <a:t>INPUT &amp; OUTPUT</a:t>
+            </a:r>
+          </a:p>
+        </p:txBody>
+      </p:sp>
+      <p:pic>
+        <p:nvPicPr>
+          <p:cNvPr id="4" name="Content Placeholder 3">
+            <a:extLst>
+              <a:ext uri="{FF2B5EF4-FFF2-40B4-BE49-F238E27FC236}">
+                <a16:creationId xmlns:a16="http://schemas.microsoft.com/office/drawing/2014/main" id="{08BA6502-565C-430B-10F5-9F505414D431}"/>
+              </a:ext>
+            </a:extLst>
+          </p:cNvPr>
+          <p:cNvPicPr>
+            <a:picLocks noGrp="1" noChangeAspect="1"/>
+          </p:cNvPicPr>
+          <p:nvPr>
+            <p:ph idx="1"/>
+          </p:nvPr>
+        </p:nvPicPr>
+        <p:blipFill rotWithShape="1">
+          <a:blip r:embed="rId2"/>
+          <a:srcRect t="50560" r="55705" b="232"/>
+          <a:stretch/>
+        </p:blipFill>
+        <p:spPr>
+          <a:xfrm>
+            <a:off x="1748117" y="1379850"/>
+            <a:ext cx="5901379" cy="4854514"/>
+          </a:xfrm>
+          <a:prstGeom prst="rect">
+            <a:avLst/>
+          </a:prstGeom>
+        </p:spPr>
+      </p:pic>
+    </p:spTree>
+    <p:extLst>
+      <p:ext uri="{BB962C8B-B14F-4D97-AF65-F5344CB8AC3E}">
+        <p14:creationId xmlns:p14="http://schemas.microsoft.com/office/powerpoint/2010/main" val="1499494884"/>
+      </p:ext>
+    </p:extLst>
+  </p:cSld>
+  <p:clrMapOvr>
+    <a:masterClrMapping/>
+  </p:clrMapOvr>
+  <mc:AlternateContent xmlns:mc="http://schemas.openxmlformats.org/markup-compatibility/2006">
+    <mc:Choice xmlns:p159="http://schemas.microsoft.com/office/powerpoint/2015/09/main" Requires="p159">
+      <p:transition xmlns:p14="http://schemas.microsoft.com/office/powerpoint/2010/main" spd="slow" p14:dur="2000">
+        <p159:morph option="byObject"/>
+      </p:transition>
+    </mc:Choice>
+    <mc:Fallback>
+      <p:transition spd="slow">
+        <p:fade/>
+      </p:transition>
+    </mc:Fallback>
+  </mc:AlternateContent>
+</p:sld>
+</file>
+
+<file path=ppt/slides/slide25.xml><?xml version="1.0" encoding="utf-8"?>
+<p:sld xmlns:a="http://schemas.openxmlformats.org/drawingml/2006/main" xmlns:r="http://schemas.openxmlformats.org/officeDocument/2006/relationships" xmlns:p="http://schemas.openxmlformats.org/presentationml/2006/main">
+  <p:cSld>
+    <p:spTree>
+      <p:nvGrpSpPr>
+        <p:cNvPr id="1" name=""/>
+        <p:cNvGrpSpPr/>
+        <p:nvPr/>
+      </p:nvGrpSpPr>
+      <p:grpSpPr>
+        <a:xfrm>
+          <a:off x="0" y="0"/>
+          <a:ext cx="0" cy="0"/>
+          <a:chOff x="0" y="0"/>
+          <a:chExt cx="0" cy="0"/>
+        </a:xfrm>
+      </p:grpSpPr>
+      <p:sp>
+        <p:nvSpPr>
+          <p:cNvPr id="2" name="Title 1">
+            <a:extLst>
+              <a:ext uri="{FF2B5EF4-FFF2-40B4-BE49-F238E27FC236}">
+                <a16:creationId xmlns:a16="http://schemas.microsoft.com/office/drawing/2014/main" id="{D4B2907C-1050-79A4-638A-2643B1A818D5}"/>
+              </a:ext>
+            </a:extLst>
+          </p:cNvPr>
+          <p:cNvSpPr>
+            <a:spLocks noGrp="1"/>
+          </p:cNvSpPr>
+          <p:nvPr>
+            <p:ph type="title"/>
+          </p:nvPr>
+        </p:nvSpPr>
+        <p:spPr>
+          <a:xfrm>
+            <a:off x="1748118" y="324465"/>
+            <a:ext cx="4278124" cy="770250"/>
+          </a:xfrm>
+        </p:spPr>
+        <p:txBody>
+          <a:bodyPr/>
+          <a:lstStyle/>
+          <a:p>
+            <a:r>
+              <a:rPr lang="en-IN" b="1" dirty="0">
+                <a:solidFill>
+                  <a:srgbClr val="FF0000"/>
+                </a:solidFill>
+                <a:latin typeface="Times New Roman" panose="02020603050405020304" pitchFamily="18" charset="0"/>
+                <a:cs typeface="Times New Roman" panose="02020603050405020304" pitchFamily="18" charset="0"/>
+              </a:rPr>
+              <a:t>INPUT &amp; OUTPUT</a:t>
+            </a:r>
+          </a:p>
+        </p:txBody>
+      </p:sp>
+      <p:pic>
+        <p:nvPicPr>
+          <p:cNvPr id="4" name="Content Placeholder 3">
+            <a:extLst>
+              <a:ext uri="{FF2B5EF4-FFF2-40B4-BE49-F238E27FC236}">
+                <a16:creationId xmlns:a16="http://schemas.microsoft.com/office/drawing/2014/main" id="{08BA6502-565C-430B-10F5-9F505414D431}"/>
+              </a:ext>
+            </a:extLst>
+          </p:cNvPr>
+          <p:cNvPicPr>
+            <a:picLocks noGrp="1" noChangeAspect="1"/>
+          </p:cNvPicPr>
+          <p:nvPr>
+            <p:ph idx="1"/>
+          </p:nvPr>
+        </p:nvPicPr>
+        <p:blipFill rotWithShape="1">
+          <a:blip r:embed="rId2"/>
+          <a:srcRect l="55525" t="49433" r="180" b="1359"/>
+          <a:stretch/>
+        </p:blipFill>
+        <p:spPr>
+          <a:xfrm>
+            <a:off x="1748117" y="1379850"/>
+            <a:ext cx="5901379" cy="4854514"/>
+          </a:xfrm>
+          <a:prstGeom prst="rect">
+            <a:avLst/>
+          </a:prstGeom>
+        </p:spPr>
+      </p:pic>
+    </p:spTree>
+    <p:extLst>
+      <p:ext uri="{BB962C8B-B14F-4D97-AF65-F5344CB8AC3E}">
+        <p14:creationId xmlns:p14="http://schemas.microsoft.com/office/powerpoint/2010/main" val="707200229"/>
+      </p:ext>
+    </p:extLst>
+  </p:cSld>
+  <p:clrMapOvr>
+    <a:masterClrMapping/>
+  </p:clrMapOvr>
+  <mc:AlternateContent xmlns:mc="http://schemas.openxmlformats.org/markup-compatibility/2006">
+    <mc:Choice xmlns:p159="http://schemas.microsoft.com/office/powerpoint/2015/09/main" Requires="p159">
+      <p:transition xmlns:p14="http://schemas.microsoft.com/office/powerpoint/2010/main" spd="slow" p14:dur="2000">
+        <p159:morph option="byObject"/>
+      </p:transition>
+    </mc:Choice>
+    <mc:Fallback>
+      <p:transition spd="slow">
+        <p:fade/>
+      </p:transition>
+    </mc:Fallback>
+  </mc:AlternateContent>
+</p:sld>
+</file>
+
+<file path=ppt/slides/slide26.xml><?xml version="1.0" encoding="utf-8"?>
 <p:sld xmlns:a="http://schemas.openxmlformats.org/drawingml/2006/main" xmlns:r="http://schemas.openxmlformats.org/officeDocument/2006/relationships" xmlns:p="http://schemas.openxmlformats.org/presentationml/2006/main">
   <p:cSld>
     <p:spTree>
@@ -26552,7 +26843,7 @@
         </p:nvSpPr>
         <p:spPr>
           <a:xfrm>
-            <a:off x="2460812" y="2998695"/>
+            <a:off x="2293664" y="2556244"/>
             <a:ext cx="6868085" cy="1363780"/>
           </a:xfrm>
           <a:prstGeom prst="rect">
@@ -26568,6 +26859,9 @@
           <a:p>
             <a:r>
               <a:rPr lang="en-IN" sz="8000" dirty="0">
+                <a:solidFill>
+                  <a:srgbClr val="00B050"/>
+                </a:solidFill>
                 <a:latin typeface="Times New Roman" panose="02020603050405020304" pitchFamily="18" charset="0"/>
                 <a:cs typeface="Times New Roman" panose="02020603050405020304" pitchFamily="18" charset="0"/>
               </a:rPr>
@@ -26622,7 +26916,12 @@
             <p:ph type="title"/>
           </p:nvPr>
         </p:nvSpPr>
-        <p:spPr/>
+        <p:spPr>
+          <a:xfrm>
+            <a:off x="971170" y="334297"/>
+            <a:ext cx="2852447" cy="654425"/>
+          </a:xfrm>
+        </p:spPr>
         <p:txBody>
           <a:bodyPr>
             <a:normAutofit/>
@@ -26631,6 +26930,9 @@
           <a:p>
             <a:r>
               <a:rPr lang="en-IN" sz="3600" b="1" dirty="0">
+                <a:solidFill>
+                  <a:srgbClr val="FF0000"/>
+                </a:solidFill>
                 <a:latin typeface="Times New Roman" panose="02020603050405020304" pitchFamily="18" charset="0"/>
                 <a:cs typeface="Times New Roman" panose="02020603050405020304" pitchFamily="18" charset="0"/>
               </a:rPr>
@@ -26658,7 +26960,7 @@
         <p:spPr>
           <a:xfrm>
             <a:off x="971170" y="1264025"/>
-            <a:ext cx="8596668" cy="4745654"/>
+            <a:ext cx="8398972" cy="5471072"/>
           </a:xfrm>
         </p:spPr>
         <p:txBody>
@@ -26667,14 +26969,14 @@
           </a:bodyPr>
           <a:lstStyle/>
           <a:p>
-            <a:pPr marL="0" indent="0">
+            <a:pPr marL="0" indent="0" algn="just">
               <a:lnSpc>
                 <a:spcPct val="120000"/>
               </a:lnSpc>
               <a:buNone/>
             </a:pPr>
             <a:r>
-              <a:rPr lang="en-IN" sz="1800" kern="100" dirty="0">
+              <a:rPr lang="en-IN" sz="2400" kern="100" dirty="0">
                 <a:effectLst/>
                 <a:latin typeface="Times New Roman" panose="02020603050405020304" pitchFamily="18" charset="0"/>
                 <a:ea typeface="Calibri" panose="020F0502020204030204" pitchFamily="34" charset="0"/>
@@ -26683,7 +26985,7 @@
               <a:t>VividTones is a captivating and challenging problem in computer vision and image processing, aiming to add natural and realistic colours to grayscale or monochrome images. for image colorization using two different pre-trained deep learning models: ECCVGenerator and SIGGRAPH. The code also includes functions for image loading, preprocessing, and post-processing and pre trained models. The task of </a:t>
             </a:r>
             <a:r>
-              <a:rPr lang="en-IN" kern="100" dirty="0">
+              <a:rPr lang="en-IN" sz="2400" kern="100" dirty="0">
                 <a:latin typeface="Times New Roman" panose="02020603050405020304" pitchFamily="18" charset="0"/>
                 <a:ea typeface="Calibri" panose="020F0502020204030204" pitchFamily="34" charset="0"/>
                 <a:cs typeface="Times New Roman" panose="02020603050405020304" pitchFamily="18" charset="0"/>
@@ -26691,7 +26993,7 @@
               <a:t>vivid tones</a:t>
             </a:r>
             <a:r>
-              <a:rPr lang="en-IN" sz="1800" kern="100" dirty="0">
+              <a:rPr lang="en-IN" sz="2400" kern="100" dirty="0">
                 <a:effectLst/>
                 <a:latin typeface="Times New Roman" panose="02020603050405020304" pitchFamily="18" charset="0"/>
                 <a:ea typeface="Calibri" panose="020F0502020204030204" pitchFamily="34" charset="0"/>
@@ -26699,38 +27001,6 @@
               </a:rPr>
               <a:t> holds immense practical value across various domains, such as historical image restoration, artistic rendering, and multimedia content generation. The goal is to automate the process of inferring colours for objects and scenes within an image, harnessing the power of artificial intelligence and deep learning techniques.</a:t>
             </a:r>
-          </a:p>
-          <a:p>
-            <a:pPr marL="0" indent="0">
-              <a:lnSpc>
-                <a:spcPct val="120000"/>
-              </a:lnSpc>
-              <a:buNone/>
-            </a:pPr>
-            <a:r>
-              <a:rPr lang="en-IN" sz="1800" dirty="0">
-                <a:effectLst/>
-                <a:latin typeface="Times New Roman" panose="02020603050405020304" pitchFamily="18" charset="0"/>
-                <a:ea typeface="Calibri" panose="020F0502020204030204" pitchFamily="34" charset="0"/>
-                <a:cs typeface="Times New Roman" panose="02020603050405020304" pitchFamily="18" charset="0"/>
-              </a:rPr>
-              <a:t>In conclusion, VividTones is a dynamic and evolving field with applications spanning various industries. Contemporary approaches leverage deep learning techniques to generate colorized images with remarkable realism and fidelity. However, addressing ethical considerations and promoting responsible use are essential aspects of advancing this technology further. As image colorization continues to progress, it holds the promise of enriching our visual experiences and preserving the heritage of historical imagery</a:t>
-            </a:r>
-            <a:endParaRPr lang="en-IN" sz="1800" kern="100" dirty="0">
-              <a:effectLst/>
-              <a:latin typeface="Times New Roman" panose="02020603050405020304" pitchFamily="18" charset="0"/>
-              <a:ea typeface="Calibri" panose="020F0502020204030204" pitchFamily="34" charset="0"/>
-              <a:cs typeface="Times New Roman" panose="02020603050405020304" pitchFamily="18" charset="0"/>
-            </a:endParaRPr>
-          </a:p>
-          <a:p>
-            <a:pPr marL="0" indent="0">
-              <a:lnSpc>
-                <a:spcPct val="120000"/>
-              </a:lnSpc>
-              <a:buNone/>
-            </a:pPr>
-            <a:endParaRPr lang="en-IN" sz="1600" dirty="0"/>
           </a:p>
         </p:txBody>
       </p:sp>
@@ -26780,21 +27050,23 @@
             <p:ph type="title"/>
           </p:nvPr>
         </p:nvSpPr>
-        <p:spPr/>
+        <p:spPr>
+          <a:xfrm>
+            <a:off x="677334" y="609600"/>
+            <a:ext cx="3422718" cy="698090"/>
+          </a:xfrm>
+        </p:spPr>
         <p:txBody>
           <a:bodyPr>
             <a:normAutofit/>
           </a:bodyPr>
           <a:lstStyle/>
           <a:p>
-            <a:br>
-              <a:rPr lang="en-IN" sz="4000" b="1" dirty="0">
-                <a:latin typeface="+mn-lt"/>
-                <a:cs typeface="Times New Roman" panose="02020603050405020304" pitchFamily="18" charset="0"/>
-              </a:rPr>
-            </a:br>
             <a:r>
               <a:rPr lang="en-IN" b="1" dirty="0">
+                <a:solidFill>
+                  <a:srgbClr val="FF0000"/>
+                </a:solidFill>
                 <a:latin typeface="Times New Roman" panose="02020603050405020304" pitchFamily="18" charset="0"/>
                 <a:cs typeface="Times New Roman" panose="02020603050405020304" pitchFamily="18" charset="0"/>
               </a:rPr>
@@ -26821,17 +27093,17 @@
         </p:nvSpPr>
         <p:spPr>
           <a:xfrm>
-            <a:off x="677334" y="2191870"/>
+            <a:off x="677334" y="1563095"/>
             <a:ext cx="8596668" cy="3731809"/>
           </a:xfrm>
         </p:spPr>
         <p:txBody>
           <a:bodyPr>
-            <a:normAutofit fontScale="92500" lnSpcReduction="10000"/>
+            <a:noAutofit/>
           </a:bodyPr>
           <a:lstStyle/>
           <a:p>
-            <a:pPr marL="0" indent="0">
+            <a:pPr marL="0" indent="0" algn="just">
               <a:buNone/>
             </a:pPr>
             <a:r>
@@ -26843,7 +27115,7 @@
             </a:r>
           </a:p>
           <a:p>
-            <a:pPr marL="0" indent="0">
+            <a:pPr marL="0" indent="0" algn="just">
               <a:buNone/>
             </a:pPr>
             <a:r>
@@ -26855,7 +27127,7 @@
             </a:r>
           </a:p>
           <a:p>
-            <a:pPr marL="0" indent="0">
+            <a:pPr marL="0" indent="0" algn="just">
               <a:buNone/>
             </a:pPr>
             <a:r>
@@ -26869,43 +27141,6 @@
             <a:endParaRPr lang="en-US" sz="2400" dirty="0">
               <a:latin typeface="Times New Roman" panose="02020603050405020304" pitchFamily="18" charset="0"/>
               <a:cs typeface="Times New Roman" panose="02020603050405020304" pitchFamily="18" charset="0"/>
-            </a:endParaRPr>
-          </a:p>
-          <a:p>
-            <a:pPr marL="0" indent="0">
-              <a:buNone/>
-            </a:pPr>
-            <a:endParaRPr lang="en-US" sz="2400" dirty="0">
-              <a:latin typeface="Times New Roman" panose="02020603050405020304" pitchFamily="18" charset="0"/>
-              <a:cs typeface="Times New Roman" panose="02020603050405020304" pitchFamily="18" charset="0"/>
-            </a:endParaRPr>
-          </a:p>
-          <a:p>
-            <a:pPr marL="0" indent="0">
-              <a:buNone/>
-            </a:pPr>
-            <a:endParaRPr lang="en-US" dirty="0"/>
-          </a:p>
-          <a:p>
-            <a:pPr marL="0" indent="0">
-              <a:buNone/>
-            </a:pPr>
-            <a:endParaRPr lang="en-US" dirty="0"/>
-          </a:p>
-          <a:p>
-            <a:pPr marL="0" indent="0">
-              <a:buNone/>
-            </a:pPr>
-            <a:endParaRPr lang="en-IN" dirty="0"/>
-          </a:p>
-          <a:p>
-            <a:pPr marL="0" indent="0">
-              <a:buNone/>
-            </a:pPr>
-            <a:endParaRPr lang="en-US" dirty="0">
-              <a:latin typeface="Calibri Light" panose="020F0302020204030204" pitchFamily="34" charset="0"/>
-              <a:ea typeface="Calibri Light" panose="020F0302020204030204" pitchFamily="34" charset="0"/>
-              <a:cs typeface="Calibri Light" panose="020F0302020204030204" pitchFamily="34" charset="0"/>
             </a:endParaRPr>
           </a:p>
         </p:txBody>
@@ -26956,13 +27191,21 @@
             <p:ph type="title"/>
           </p:nvPr>
         </p:nvSpPr>
-        <p:spPr/>
+        <p:spPr>
+          <a:xfrm>
+            <a:off x="677334" y="639097"/>
+            <a:ext cx="4877892" cy="816077"/>
+          </a:xfrm>
+        </p:spPr>
         <p:txBody>
           <a:bodyPr/>
           <a:lstStyle/>
           <a:p>
             <a:r>
               <a:rPr lang="en-IN" b="1" dirty="0">
+                <a:solidFill>
+                  <a:srgbClr val="FF0000"/>
+                </a:solidFill>
                 <a:latin typeface="Times New Roman" panose="02020603050405020304" pitchFamily="18" charset="0"/>
                 <a:cs typeface="Times New Roman" panose="02020603050405020304" pitchFamily="18" charset="0"/>
               </a:rPr>
@@ -26999,7 +27242,7 @@
           </a:bodyPr>
           <a:lstStyle/>
           <a:p>
-            <a:pPr algn="l">
+            <a:pPr algn="just">
               <a:buFont typeface="Wingdings" panose="05000000000000000000" pitchFamily="2" charset="2"/>
               <a:buChar char="Ø"/>
             </a:pPr>
@@ -27013,7 +27256,7 @@
             </a:r>
           </a:p>
           <a:p>
-            <a:pPr algn="l">
+            <a:pPr algn="just">
               <a:buFont typeface="Wingdings" panose="05000000000000000000" pitchFamily="2" charset="2"/>
               <a:buChar char="Ø"/>
             </a:pPr>
@@ -27027,7 +27270,7 @@
             </a:r>
           </a:p>
           <a:p>
-            <a:pPr algn="l">
+            <a:pPr algn="just">
               <a:buFont typeface="Wingdings" panose="05000000000000000000" pitchFamily="2" charset="2"/>
               <a:buChar char="Ø"/>
             </a:pPr>
@@ -27041,7 +27284,7 @@
             </a:r>
           </a:p>
           <a:p>
-            <a:pPr algn="l">
+            <a:pPr algn="just">
               <a:buFont typeface="Wingdings" panose="05000000000000000000" pitchFamily="2" charset="2"/>
               <a:buChar char="Ø"/>
             </a:pPr>
@@ -27053,18 +27296,6 @@
               </a:rPr>
               <a:t>This makes the process much faster, easier, and accessible to anyone without requiring artistic skills.</a:t>
             </a:r>
-          </a:p>
-          <a:p>
-            <a:pPr marL="0" indent="0">
-              <a:buNone/>
-            </a:pPr>
-            <a:endParaRPr lang="en-US" b="0" i="0" dirty="0">
-              <a:solidFill>
-                <a:schemeClr val="tx1"/>
-              </a:solidFill>
-              <a:effectLst/>
-              <a:latin typeface="Söhne"/>
-            </a:endParaRPr>
           </a:p>
         </p:txBody>
       </p:sp>
@@ -27116,22 +27347,22 @@
         </p:nvSpPr>
         <p:spPr>
           <a:xfrm>
-            <a:off x="1035424" y="1250576"/>
-            <a:ext cx="8283388" cy="4926388"/>
+            <a:off x="592973" y="601647"/>
+            <a:ext cx="8816498" cy="5838482"/>
           </a:xfrm>
         </p:spPr>
         <p:txBody>
           <a:bodyPr>
-            <a:normAutofit/>
+            <a:noAutofit/>
           </a:bodyPr>
           <a:lstStyle/>
           <a:p>
-            <a:pPr algn="l">
+            <a:pPr algn="just">
               <a:buFont typeface="+mj-lt"/>
               <a:buAutoNum type="arabicPeriod"/>
             </a:pPr>
             <a:r>
-              <a:rPr lang="en-US" sz="2000" b="1" i="0" dirty="0">
+              <a:rPr lang="en-US" sz="2400" b="1" i="0" dirty="0">
                 <a:effectLst/>
                 <a:latin typeface="Times New Roman" panose="02020603050405020304" pitchFamily="18" charset="0"/>
                 <a:cs typeface="Times New Roman" panose="02020603050405020304" pitchFamily="18" charset="0"/>
@@ -27139,7 +27370,7 @@
               <a:t>Automated Colorization:</a:t>
             </a:r>
             <a:r>
-              <a:rPr lang="en-US" sz="2000" b="0" i="0" dirty="0">
+              <a:rPr lang="en-US" sz="2400" b="0" i="0" dirty="0">
                 <a:effectLst/>
                 <a:latin typeface="Times New Roman" panose="02020603050405020304" pitchFamily="18" charset="0"/>
                 <a:cs typeface="Times New Roman" panose="02020603050405020304" pitchFamily="18" charset="0"/>
@@ -27148,12 +27379,12 @@
             </a:r>
           </a:p>
           <a:p>
-            <a:pPr algn="l">
+            <a:pPr algn="just">
               <a:buFont typeface="+mj-lt"/>
               <a:buAutoNum type="arabicPeriod"/>
             </a:pPr>
             <a:r>
-              <a:rPr lang="en-US" sz="2000" b="1" i="0" dirty="0">
+              <a:rPr lang="en-US" sz="2400" b="1" i="0" dirty="0">
                 <a:effectLst/>
                 <a:latin typeface="Times New Roman" panose="02020603050405020304" pitchFamily="18" charset="0"/>
                 <a:cs typeface="Times New Roman" panose="02020603050405020304" pitchFamily="18" charset="0"/>
@@ -27161,7 +27392,7 @@
               <a:t>Computer Models:</a:t>
             </a:r>
             <a:r>
-              <a:rPr lang="en-US" sz="2000" b="0" i="0" dirty="0">
+              <a:rPr lang="en-US" sz="2400" b="0" i="0" dirty="0">
                 <a:effectLst/>
                 <a:latin typeface="Times New Roman" panose="02020603050405020304" pitchFamily="18" charset="0"/>
                 <a:cs typeface="Times New Roman" panose="02020603050405020304" pitchFamily="18" charset="0"/>
@@ -27170,12 +27401,12 @@
             </a:r>
           </a:p>
           <a:p>
-            <a:pPr algn="l">
+            <a:pPr algn="just">
               <a:buFont typeface="+mj-lt"/>
               <a:buAutoNum type="arabicPeriod"/>
             </a:pPr>
             <a:r>
-              <a:rPr lang="en-US" sz="2000" b="1" i="0" dirty="0">
+              <a:rPr lang="en-US" sz="2400" b="1" i="0" dirty="0">
                 <a:effectLst/>
                 <a:latin typeface="Times New Roman" panose="02020603050405020304" pitchFamily="18" charset="0"/>
                 <a:cs typeface="Times New Roman" panose="02020603050405020304" pitchFamily="18" charset="0"/>
@@ -27183,7 +27414,7 @@
               <a:t>Efficient:</a:t>
             </a:r>
             <a:r>
-              <a:rPr lang="en-US" sz="2000" b="0" i="0" dirty="0">
+              <a:rPr lang="en-US" sz="2400" b="0" i="0" dirty="0">
                 <a:effectLst/>
                 <a:latin typeface="Times New Roman" panose="02020603050405020304" pitchFamily="18" charset="0"/>
                 <a:cs typeface="Times New Roman" panose="02020603050405020304" pitchFamily="18" charset="0"/>
@@ -27192,12 +27423,12 @@
             </a:r>
           </a:p>
           <a:p>
-            <a:pPr algn="l">
+            <a:pPr algn="just">
               <a:buFont typeface="+mj-lt"/>
               <a:buAutoNum type="arabicPeriod"/>
             </a:pPr>
             <a:r>
-              <a:rPr lang="en-US" sz="2000" b="1" i="0" dirty="0">
+              <a:rPr lang="en-US" sz="2400" b="1" i="0" dirty="0">
                 <a:effectLst/>
                 <a:latin typeface="Times New Roman" panose="02020603050405020304" pitchFamily="18" charset="0"/>
                 <a:cs typeface="Times New Roman" panose="02020603050405020304" pitchFamily="18" charset="0"/>
@@ -27205,7 +27436,7 @@
               <a:t>No Artistic Skills Required:</a:t>
             </a:r>
             <a:r>
-              <a:rPr lang="en-US" sz="2000" b="0" i="0" dirty="0">
+              <a:rPr lang="en-US" sz="2400" b="0" i="0" dirty="0">
                 <a:effectLst/>
                 <a:latin typeface="Times New Roman" panose="02020603050405020304" pitchFamily="18" charset="0"/>
                 <a:cs typeface="Times New Roman" panose="02020603050405020304" pitchFamily="18" charset="0"/>
@@ -27214,12 +27445,12 @@
             </a:r>
           </a:p>
           <a:p>
-            <a:pPr algn="l">
+            <a:pPr algn="just">
               <a:buFont typeface="+mj-lt"/>
               <a:buAutoNum type="arabicPeriod"/>
             </a:pPr>
             <a:r>
-              <a:rPr lang="en-US" sz="2000" b="1" i="0" dirty="0">
+              <a:rPr lang="en-US" sz="2400" b="1" i="0" dirty="0">
                 <a:effectLst/>
                 <a:latin typeface="Times New Roman" panose="02020603050405020304" pitchFamily="18" charset="0"/>
                 <a:cs typeface="Times New Roman" panose="02020603050405020304" pitchFamily="18" charset="0"/>
@@ -27227,30 +27458,17 @@
               <a:t>Consistency:</a:t>
             </a:r>
             <a:r>
-              <a:rPr lang="en-US" sz="2000" b="0" i="0" dirty="0">
+              <a:rPr lang="en-US" sz="2400" b="0" i="0" dirty="0">
                 <a:effectLst/>
                 <a:latin typeface="Times New Roman" panose="02020603050405020304" pitchFamily="18" charset="0"/>
                 <a:cs typeface="Times New Roman" panose="02020603050405020304" pitchFamily="18" charset="0"/>
               </a:rPr>
               <a:t> The quality and consistency of colorization are maintained, as the computer models apply colors systematically based on their learned knowledge.</a:t>
             </a:r>
-            <a:endParaRPr lang="en-IN" sz="2000" b="0" i="0" dirty="0">
+            <a:endParaRPr lang="en-IN" sz="2400" b="0" i="0" dirty="0">
               <a:effectLst/>
               <a:latin typeface="Times New Roman" panose="02020603050405020304" pitchFamily="18" charset="0"/>
               <a:cs typeface="Times New Roman" panose="02020603050405020304" pitchFamily="18" charset="0"/>
-            </a:endParaRPr>
-          </a:p>
-          <a:p>
-            <a:pPr algn="l">
-              <a:buFont typeface="+mj-lt"/>
-              <a:buAutoNum type="arabicPeriod"/>
-            </a:pPr>
-            <a:endParaRPr lang="en-US" b="0" i="0" dirty="0">
-              <a:solidFill>
-                <a:srgbClr val="D1D5DB"/>
-              </a:solidFill>
-              <a:effectLst/>
-              <a:latin typeface="Söhne"/>
             </a:endParaRPr>
           </a:p>
         </p:txBody>
@@ -27301,13 +27519,21 @@
             <p:ph type="title"/>
           </p:nvPr>
         </p:nvSpPr>
-        <p:spPr/>
+        <p:spPr>
+          <a:xfrm>
+            <a:off x="824817" y="639097"/>
+            <a:ext cx="9007440" cy="825910"/>
+          </a:xfrm>
+        </p:spPr>
         <p:txBody>
           <a:bodyPr/>
           <a:lstStyle/>
           <a:p>
             <a:r>
               <a:rPr lang="en-IN" b="1" dirty="0">
+                <a:solidFill>
+                  <a:srgbClr val="FF0000"/>
+                </a:solidFill>
                 <a:latin typeface="Times New Roman" panose="02020603050405020304" pitchFamily="18" charset="0"/>
                 <a:cs typeface="Times New Roman" panose="02020603050405020304" pitchFamily="18" charset="0"/>
               </a:rPr>
@@ -27334,51 +27560,150 @@
         </p:nvSpPr>
         <p:spPr>
           <a:xfrm>
-            <a:off x="1788458" y="2554940"/>
-            <a:ext cx="7485543" cy="3486421"/>
+            <a:off x="1119864" y="1797855"/>
+            <a:ext cx="7925813" cy="4922493"/>
           </a:xfrm>
         </p:spPr>
         <p:txBody>
-          <a:bodyPr/>
+          <a:bodyPr>
+            <a:noAutofit/>
+          </a:bodyPr>
           <a:lstStyle/>
           <a:p>
-            <a:r>
-              <a:rPr lang="en-IN" sz="2800" dirty="0">
+            <a:pPr algn="l">
+              <a:buFont typeface="+mj-lt"/>
+              <a:buAutoNum type="arabicPeriod"/>
+            </a:pPr>
+            <a:r>
+              <a:rPr lang="en-US" sz="2400" b="0" i="0" dirty="0">
+                <a:solidFill>
+                  <a:srgbClr val="374151"/>
+                </a:solidFill>
+                <a:effectLst/>
                 <a:latin typeface="Times New Roman" panose="02020603050405020304" pitchFamily="18" charset="0"/>
                 <a:cs typeface="Times New Roman" panose="02020603050405020304" pitchFamily="18" charset="0"/>
               </a:rPr>
-              <a:t>AUTOMATED COLORIZATION</a:t>
-            </a:r>
-          </a:p>
-          <a:p>
-            <a:r>
-              <a:rPr lang="en-IN" sz="2800" dirty="0">
+              <a:t>Restoration of Historical Images</a:t>
+            </a:r>
+          </a:p>
+          <a:p>
+            <a:pPr algn="l">
+              <a:buFont typeface="+mj-lt"/>
+              <a:buAutoNum type="arabicPeriod"/>
+            </a:pPr>
+            <a:r>
+              <a:rPr lang="en-US" sz="2400" b="0" i="0" dirty="0">
+                <a:solidFill>
+                  <a:srgbClr val="374151"/>
+                </a:solidFill>
+                <a:effectLst/>
                 <a:latin typeface="Times New Roman" panose="02020603050405020304" pitchFamily="18" charset="0"/>
                 <a:cs typeface="Times New Roman" panose="02020603050405020304" pitchFamily="18" charset="0"/>
               </a:rPr>
-              <a:t>FLEXIBILITY</a:t>
-            </a:r>
-          </a:p>
-          <a:p>
-            <a:r>
-              <a:rPr lang="en-IN" sz="2800" dirty="0">
+              <a:t>Enhanced Artistic Expression</a:t>
+            </a:r>
+          </a:p>
+          <a:p>
+            <a:pPr algn="l">
+              <a:buFont typeface="+mj-lt"/>
+              <a:buAutoNum type="arabicPeriod"/>
+            </a:pPr>
+            <a:r>
+              <a:rPr lang="en-US" sz="2400" b="0" i="0" dirty="0">
+                <a:solidFill>
+                  <a:srgbClr val="374151"/>
+                </a:solidFill>
+                <a:effectLst/>
                 <a:latin typeface="Times New Roman" panose="02020603050405020304" pitchFamily="18" charset="0"/>
                 <a:cs typeface="Times New Roman" panose="02020603050405020304" pitchFamily="18" charset="0"/>
               </a:rPr>
-              <a:t>PRESERVATION OF ORGINALS</a:t>
-            </a:r>
-          </a:p>
-          <a:p>
-            <a:r>
-              <a:rPr lang="en-IN" sz="2800" dirty="0">
+              <a:t>Facilitating Historical Research</a:t>
+            </a:r>
+          </a:p>
+          <a:p>
+            <a:pPr algn="l">
+              <a:buFont typeface="+mj-lt"/>
+              <a:buAutoNum type="arabicPeriod"/>
+            </a:pPr>
+            <a:r>
+              <a:rPr lang="en-US" sz="2400" b="0" i="0" dirty="0">
+                <a:solidFill>
+                  <a:srgbClr val="374151"/>
+                </a:solidFill>
+                <a:effectLst/>
                 <a:latin typeface="Times New Roman" panose="02020603050405020304" pitchFamily="18" charset="0"/>
                 <a:cs typeface="Times New Roman" panose="02020603050405020304" pitchFamily="18" charset="0"/>
               </a:rPr>
-              <a:t>USER FRIENDLY</a:t>
-            </a:r>
-          </a:p>
-          <a:p>
-            <a:endParaRPr lang="en-IN" dirty="0"/>
+              <a:t>Revitalizing Art Restoration</a:t>
+            </a:r>
+          </a:p>
+          <a:p>
+            <a:pPr algn="l">
+              <a:buFont typeface="+mj-lt"/>
+              <a:buAutoNum type="arabicPeriod"/>
+            </a:pPr>
+            <a:r>
+              <a:rPr lang="en-US" sz="2400" b="0" i="0" dirty="0">
+                <a:solidFill>
+                  <a:srgbClr val="374151"/>
+                </a:solidFill>
+                <a:effectLst/>
+                <a:latin typeface="Times New Roman" panose="02020603050405020304" pitchFamily="18" charset="0"/>
+                <a:cs typeface="Times New Roman" panose="02020603050405020304" pitchFamily="18" charset="0"/>
+              </a:rPr>
+              <a:t>Preservation of Cherished Memories</a:t>
+            </a:r>
+          </a:p>
+          <a:p>
+            <a:pPr algn="l">
+              <a:buFont typeface="+mj-lt"/>
+              <a:buAutoNum type="arabicPeriod"/>
+            </a:pPr>
+            <a:r>
+              <a:rPr lang="en-US" sz="2400" b="0" i="0" dirty="0">
+                <a:solidFill>
+                  <a:srgbClr val="374151"/>
+                </a:solidFill>
+                <a:effectLst/>
+                <a:latin typeface="Times New Roman" panose="02020603050405020304" pitchFamily="18" charset="0"/>
+                <a:cs typeface="Times New Roman" panose="02020603050405020304" pitchFamily="18" charset="0"/>
+              </a:rPr>
+              <a:t>Efficient Multimedia Colorization</a:t>
+            </a:r>
+          </a:p>
+          <a:p>
+            <a:pPr algn="l">
+              <a:buFont typeface="+mj-lt"/>
+              <a:buAutoNum type="arabicPeriod"/>
+            </a:pPr>
+            <a:r>
+              <a:rPr lang="en-US" sz="2400" b="0" i="0" dirty="0">
+                <a:solidFill>
+                  <a:srgbClr val="374151"/>
+                </a:solidFill>
+                <a:effectLst/>
+                <a:latin typeface="Times New Roman" panose="02020603050405020304" pitchFamily="18" charset="0"/>
+                <a:cs typeface="Times New Roman" panose="02020603050405020304" pitchFamily="18" charset="0"/>
+              </a:rPr>
+              <a:t>Simplified Image Reconstruction</a:t>
+            </a:r>
+          </a:p>
+          <a:p>
+            <a:pPr algn="l">
+              <a:buFont typeface="+mj-lt"/>
+              <a:buAutoNum type="arabicPeriod"/>
+            </a:pPr>
+            <a:r>
+              <a:rPr lang="en-US" sz="2400" b="0" i="0" dirty="0">
+                <a:solidFill>
+                  <a:srgbClr val="374151"/>
+                </a:solidFill>
+                <a:effectLst/>
+                <a:latin typeface="Times New Roman" panose="02020603050405020304" pitchFamily="18" charset="0"/>
+                <a:cs typeface="Times New Roman" panose="02020603050405020304" pitchFamily="18" charset="0"/>
+              </a:rPr>
+              <a:t>Automated Color Inference</a:t>
+            </a:r>
           </a:p>
         </p:txBody>
       </p:sp>
@@ -27428,7 +27753,12 @@
             <p:ph type="title"/>
           </p:nvPr>
         </p:nvSpPr>
-        <p:spPr/>
+        <p:spPr>
+          <a:xfrm>
+            <a:off x="1041127" y="388376"/>
+            <a:ext cx="2282176" cy="766916"/>
+          </a:xfrm>
+        </p:spPr>
         <p:txBody>
           <a:bodyPr>
             <a:normAutofit/>
@@ -27437,6 +27767,9 @@
           <a:p>
             <a:r>
               <a:rPr lang="en-IN" b="1" dirty="0">
+                <a:solidFill>
+                  <a:srgbClr val="FF0000"/>
+                </a:solidFill>
                 <a:latin typeface="Times New Roman" panose="02020603050405020304" pitchFamily="18" charset="0"/>
                 <a:cs typeface="Times New Roman" panose="02020603050405020304" pitchFamily="18" charset="0"/>
               </a:rPr>
@@ -27463,25 +27796,26 @@
         </p:nvSpPr>
         <p:spPr>
           <a:xfrm>
-            <a:off x="578224" y="1930400"/>
-            <a:ext cx="8884037" cy="4110962"/>
+            <a:off x="470069" y="1310967"/>
+            <a:ext cx="8919737" cy="4775199"/>
           </a:xfrm>
         </p:spPr>
         <p:txBody>
           <a:bodyPr>
-            <a:normAutofit/>
+            <a:noAutofit/>
           </a:bodyPr>
           <a:lstStyle/>
           <a:p>
-            <a:r>
-              <a:rPr lang="en-US" b="1" dirty="0">
+            <a:pPr algn="just"/>
+            <a:r>
+              <a:rPr lang="en-US" sz="2400" b="1" dirty="0">
                 <a:latin typeface="Times New Roman" panose="02020603050405020304" pitchFamily="18" charset="0"/>
                 <a:cs typeface="Times New Roman" panose="02020603050405020304" pitchFamily="18" charset="0"/>
               </a:rPr>
               <a:t>ECCV16</a:t>
             </a:r>
             <a:r>
-              <a:rPr lang="en-US" dirty="0">
+              <a:rPr lang="en-US" sz="2400" dirty="0">
                 <a:latin typeface="Times New Roman" panose="02020603050405020304" pitchFamily="18" charset="0"/>
                 <a:cs typeface="Times New Roman" panose="02020603050405020304" pitchFamily="18" charset="0"/>
               </a:rPr>
@@ -27489,21 +27823,22 @@
             </a:r>
           </a:p>
           <a:p>
-            <a:r>
-              <a:rPr lang="en-US" b="1" dirty="0">
+            <a:pPr algn="just"/>
+            <a:r>
+              <a:rPr lang="en-US" sz="2400" b="1" dirty="0">
                 <a:latin typeface="Times New Roman" panose="02020603050405020304" pitchFamily="18" charset="0"/>
                 <a:cs typeface="Times New Roman" panose="02020603050405020304" pitchFamily="18" charset="0"/>
               </a:rPr>
               <a:t>SIGGRAPH17</a:t>
             </a:r>
             <a:r>
-              <a:rPr lang="en-US" dirty="0">
+              <a:rPr lang="en-US" sz="2400" dirty="0">
                 <a:latin typeface="Times New Roman" panose="02020603050405020304" pitchFamily="18" charset="0"/>
                 <a:cs typeface="Times New Roman" panose="02020603050405020304" pitchFamily="18" charset="0"/>
               </a:rPr>
               <a:t>: SIGGRAPH stands for "Special Interest Group on Computer Graphics and Interactive Techniques," and the "17" likely refers to the year 2017. SIGGRAPH is a renowned conference in the field of computer graphics and interactive techniques. Therefore, SIGGRAPH17 refers to a model or approach related to computer graphics and interactive techniques that was presented or published at the SIGGRAPH conference in the year 2017.</a:t>
             </a:r>
-            <a:endParaRPr lang="en-IN" dirty="0">
+            <a:endParaRPr lang="en-IN" sz="2400" dirty="0">
               <a:latin typeface="Times New Roman" panose="02020603050405020304" pitchFamily="18" charset="0"/>
               <a:cs typeface="Times New Roman" panose="02020603050405020304" pitchFamily="18" charset="0"/>
             </a:endParaRPr>
@@ -27556,15 +27891,26 @@
             <p:ph type="title"/>
           </p:nvPr>
         </p:nvSpPr>
-        <p:spPr/>
+        <p:spPr>
+          <a:xfrm>
+            <a:off x="1058124" y="816077"/>
+            <a:ext cx="4435440" cy="766916"/>
+          </a:xfrm>
+        </p:spPr>
         <p:txBody>
           <a:bodyPr>
-            <a:normAutofit/>
+            <a:noAutofit/>
           </a:bodyPr>
           <a:lstStyle/>
           <a:p>
             <a:r>
-              <a:rPr lang="en-IN" b="1" dirty="0"/>
+              <a:rPr lang="en-IN" b="1" dirty="0">
+                <a:solidFill>
+                  <a:srgbClr val="FF0000"/>
+                </a:solidFill>
+                <a:latin typeface="Times New Roman" panose="02020603050405020304" pitchFamily="18" charset="0"/>
+                <a:cs typeface="Times New Roman" panose="02020603050405020304" pitchFamily="18" charset="0"/>
+              </a:rPr>
               <a:t>LIBRARIES USED</a:t>
             </a:r>
           </a:p>
@@ -27588,110 +27934,91 @@
         </p:nvSpPr>
         <p:spPr>
           <a:xfrm>
-            <a:off x="3294529" y="1775012"/>
-            <a:ext cx="3415553" cy="3594374"/>
+            <a:off x="1058124" y="2001154"/>
+            <a:ext cx="6473385" cy="3799878"/>
           </a:xfrm>
         </p:spPr>
         <p:txBody>
           <a:bodyPr>
-            <a:normAutofit lnSpcReduction="10000"/>
+            <a:noAutofit/>
           </a:bodyPr>
           <a:lstStyle/>
           <a:p>
-            <a:pPr>
-              <a:buClr>
-                <a:schemeClr val="tx1"/>
-              </a:buClr>
-              <a:buFont typeface="Wingdings" panose="05000000000000000000" pitchFamily="2" charset="2"/>
-              <a:buChar char="Ø"/>
-            </a:pPr>
-            <a:r>
-              <a:rPr lang="en-IN" sz="3200" b="1" dirty="0"/>
-              <a:t>PYTORCH</a:t>
-            </a:r>
-          </a:p>
-          <a:p>
-            <a:pPr>
-              <a:buClr>
-                <a:schemeClr val="tx1"/>
-              </a:buClr>
-              <a:buFont typeface="Wingdings" panose="05000000000000000000" pitchFamily="2" charset="2"/>
-              <a:buChar char="Ø"/>
-            </a:pPr>
-            <a:r>
-              <a:rPr lang="en-IN" sz="3200" b="1" dirty="0"/>
-              <a:t>PIL(PILLOW)</a:t>
-            </a:r>
-          </a:p>
-          <a:p>
-            <a:pPr>
-              <a:buClr>
-                <a:schemeClr val="tx1"/>
-              </a:buClr>
-              <a:buFont typeface="Wingdings" panose="05000000000000000000" pitchFamily="2" charset="2"/>
-              <a:buChar char="Ø"/>
-            </a:pPr>
-            <a:r>
-              <a:rPr lang="en-IN" sz="3200" b="1" dirty="0"/>
-              <a:t>NUMPY</a:t>
-            </a:r>
-          </a:p>
-          <a:p>
-            <a:pPr>
-              <a:buClr>
-                <a:schemeClr val="tx1"/>
-              </a:buClr>
-              <a:buFont typeface="Wingdings" panose="05000000000000000000" pitchFamily="2" charset="2"/>
-              <a:buChar char="Ø"/>
-            </a:pPr>
-            <a:r>
-              <a:rPr lang="en-IN" sz="3200" b="1" dirty="0"/>
-              <a:t>SKIMAGE</a:t>
-            </a:r>
-          </a:p>
-          <a:p>
-            <a:pPr>
-              <a:buClr>
-                <a:schemeClr val="tx1"/>
-              </a:buClr>
-              <a:buFont typeface="Wingdings" panose="05000000000000000000" pitchFamily="2" charset="2"/>
-              <a:buChar char="Ø"/>
-            </a:pPr>
-            <a:r>
-              <a:rPr lang="en-IN" sz="3200" b="1" dirty="0"/>
-              <a:t>IPYTHON</a:t>
-            </a:r>
-          </a:p>
-          <a:p>
-            <a:pPr>
-              <a:buClr>
-                <a:schemeClr val="tx1"/>
-              </a:buClr>
-              <a:buFont typeface="Wingdings" panose="05000000000000000000" pitchFamily="2" charset="2"/>
-              <a:buChar char="Ø"/>
-            </a:pPr>
-            <a:r>
-              <a:rPr lang="en-IN" sz="3200" b="1" dirty="0"/>
-              <a:t>MATPLOTLIB</a:t>
-            </a:r>
-          </a:p>
-          <a:p>
-            <a:pPr>
-              <a:buClr>
-                <a:schemeClr val="tx1"/>
-              </a:buClr>
-              <a:buFont typeface="Wingdings" panose="05000000000000000000" pitchFamily="2" charset="2"/>
-              <a:buChar char="Ø"/>
-            </a:pPr>
-            <a:endParaRPr lang="en-IN" sz="3200" b="1" dirty="0"/>
-          </a:p>
-          <a:p>
-            <a:pPr marL="0" indent="0">
-              <a:buNone/>
-            </a:pPr>
-            <a:endParaRPr lang="en-US" b="1" dirty="0">
-              <a:latin typeface="Calisto MT" panose="02040603050505030304" pitchFamily="18" charset="0"/>
-            </a:endParaRPr>
+            <a:r>
+              <a:rPr lang="en-IN" sz="2400" dirty="0" err="1">
+                <a:latin typeface="Times New Roman" panose="02020603050405020304" pitchFamily="18" charset="0"/>
+                <a:cs typeface="Times New Roman" panose="02020603050405020304" pitchFamily="18" charset="0"/>
+              </a:rPr>
+              <a:t>PyTorch</a:t>
+            </a:r>
+            <a:r>
+              <a:rPr lang="en-IN" sz="2400" dirty="0">
+                <a:latin typeface="Times New Roman" panose="02020603050405020304" pitchFamily="18" charset="0"/>
+                <a:cs typeface="Times New Roman" panose="02020603050405020304" pitchFamily="18" charset="0"/>
+              </a:rPr>
+              <a:t>: Deep Learning Framework</a:t>
+            </a:r>
+          </a:p>
+          <a:p>
+            <a:r>
+              <a:rPr lang="en-IN" sz="2400" dirty="0">
+                <a:latin typeface="Times New Roman" panose="02020603050405020304" pitchFamily="18" charset="0"/>
+                <a:cs typeface="Times New Roman" panose="02020603050405020304" pitchFamily="18" charset="0"/>
+              </a:rPr>
+              <a:t>Pillow: Python Imaging Library</a:t>
+            </a:r>
+          </a:p>
+          <a:p>
+            <a:r>
+              <a:rPr lang="en-IN" sz="2400" dirty="0">
+                <a:latin typeface="Times New Roman" panose="02020603050405020304" pitchFamily="18" charset="0"/>
+                <a:cs typeface="Times New Roman" panose="02020603050405020304" pitchFamily="18" charset="0"/>
+              </a:rPr>
+              <a:t>NumPy: Numerical Computing Library</a:t>
+            </a:r>
+          </a:p>
+          <a:p>
+            <a:r>
+              <a:rPr lang="en-IN" sz="2400" dirty="0">
+                <a:latin typeface="Times New Roman" panose="02020603050405020304" pitchFamily="18" charset="0"/>
+                <a:cs typeface="Times New Roman" panose="02020603050405020304" pitchFamily="18" charset="0"/>
+              </a:rPr>
+              <a:t>TensorFlow: Machine Learning Framework</a:t>
+            </a:r>
+          </a:p>
+          <a:p>
+            <a:r>
+              <a:rPr lang="en-IN" sz="2400" dirty="0">
+                <a:latin typeface="Times New Roman" panose="02020603050405020304" pitchFamily="18" charset="0"/>
+                <a:cs typeface="Times New Roman" panose="02020603050405020304" pitchFamily="18" charset="0"/>
+              </a:rPr>
+              <a:t>OpenCV: Computer Vision Library</a:t>
+            </a:r>
+          </a:p>
+          <a:p>
+            <a:r>
+              <a:rPr lang="en-IN" sz="2400" dirty="0">
+                <a:latin typeface="Times New Roman" panose="02020603050405020304" pitchFamily="18" charset="0"/>
+                <a:cs typeface="Times New Roman" panose="02020603050405020304" pitchFamily="18" charset="0"/>
+              </a:rPr>
+              <a:t>Matplotlib: Data Visualization Library</a:t>
+            </a:r>
+          </a:p>
+          <a:p>
+            <a:r>
+              <a:rPr lang="en-IN" sz="2400" dirty="0" err="1">
+                <a:latin typeface="Times New Roman" panose="02020603050405020304" pitchFamily="18" charset="0"/>
+                <a:cs typeface="Times New Roman" panose="02020603050405020304" pitchFamily="18" charset="0"/>
+              </a:rPr>
+              <a:t>Keras</a:t>
+            </a:r>
+            <a:r>
+              <a:rPr lang="en-IN" sz="2400" dirty="0">
+                <a:latin typeface="Times New Roman" panose="02020603050405020304" pitchFamily="18" charset="0"/>
+                <a:cs typeface="Times New Roman" panose="02020603050405020304" pitchFamily="18" charset="0"/>
+              </a:rPr>
+              <a:t>: Neural Networks API</a:t>
+            </a:r>
           </a:p>
         </p:txBody>
       </p:sp>
@@ -27705,6 +28032,757 @@
   <p:clrMapOvr>
     <a:masterClrMapping/>
   </p:clrMapOvr>
+  <p:timing>
+    <p:tnLst>
+      <p:par>
+        <p:cTn id="1" dur="indefinite" restart="never" nodeType="tmRoot">
+          <p:childTnLst>
+            <p:seq concurrent="1" nextAc="seek">
+              <p:cTn id="2" dur="indefinite" nodeType="mainSeq">
+                <p:childTnLst>
+                  <p:par>
+                    <p:cTn id="3" fill="hold">
+                      <p:stCondLst>
+                        <p:cond delay="indefinite"/>
+                      </p:stCondLst>
+                      <p:childTnLst>
+                        <p:par>
+                          <p:cTn id="4" fill="hold">
+                            <p:stCondLst>
+                              <p:cond delay="0"/>
+                            </p:stCondLst>
+                            <p:childTnLst>
+                              <p:par>
+                                <p:cTn id="5" presetID="2" presetClass="entr" presetSubtype="4" fill="hold" nodeType="clickEffect">
+                                  <p:stCondLst>
+                                    <p:cond delay="0"/>
+                                  </p:stCondLst>
+                                  <p:childTnLst>
+                                    <p:set>
+                                      <p:cBhvr>
+                                        <p:cTn id="6" dur="1" fill="hold">
+                                          <p:stCondLst>
+                                            <p:cond delay="0"/>
+                                          </p:stCondLst>
+                                        </p:cTn>
+                                        <p:tgtEl>
+                                          <p:spTgt spid="3">
+                                            <p:txEl>
+                                              <p:pRg st="0" end="0"/>
+                                            </p:txEl>
+                                          </p:spTgt>
+                                        </p:tgtEl>
+                                        <p:attrNameLst>
+                                          <p:attrName>style.visibility</p:attrName>
+                                        </p:attrNameLst>
+                                      </p:cBhvr>
+                                      <p:to>
+                                        <p:strVal val="visible"/>
+                                      </p:to>
+                                    </p:set>
+                                    <p:anim calcmode="lin" valueType="num">
+                                      <p:cBhvr additive="base">
+                                        <p:cTn id="7" dur="500" fill="hold"/>
+                                        <p:tgtEl>
+                                          <p:spTgt spid="3">
+                                            <p:txEl>
+                                              <p:pRg st="0" end="0"/>
+                                            </p:txEl>
+                                          </p:spTgt>
+                                        </p:tgtEl>
+                                        <p:attrNameLst>
+                                          <p:attrName>ppt_x</p:attrName>
+                                        </p:attrNameLst>
+                                      </p:cBhvr>
+                                      <p:tavLst>
+                                        <p:tav tm="0">
+                                          <p:val>
+                                            <p:strVal val="#ppt_x"/>
+                                          </p:val>
+                                        </p:tav>
+                                        <p:tav tm="100000">
+                                          <p:val>
+                                            <p:strVal val="#ppt_x"/>
+                                          </p:val>
+                                        </p:tav>
+                                      </p:tavLst>
+                                    </p:anim>
+                                    <p:anim calcmode="lin" valueType="num">
+                                      <p:cBhvr additive="base">
+                                        <p:cTn id="8" dur="500" fill="hold"/>
+                                        <p:tgtEl>
+                                          <p:spTgt spid="3">
+                                            <p:txEl>
+                                              <p:pRg st="0" end="0"/>
+                                            </p:txEl>
+                                          </p:spTgt>
+                                        </p:tgtEl>
+                                        <p:attrNameLst>
+                                          <p:attrName>ppt_y</p:attrName>
+                                        </p:attrNameLst>
+                                      </p:cBhvr>
+                                      <p:tavLst>
+                                        <p:tav tm="0">
+                                          <p:val>
+                                            <p:strVal val="1+#ppt_h/2"/>
+                                          </p:val>
+                                        </p:tav>
+                                        <p:tav tm="100000">
+                                          <p:val>
+                                            <p:strVal val="#ppt_y"/>
+                                          </p:val>
+                                        </p:tav>
+                                      </p:tavLst>
+                                    </p:anim>
+                                  </p:childTnLst>
+                                </p:cTn>
+                              </p:par>
+                            </p:childTnLst>
+                          </p:cTn>
+                        </p:par>
+                      </p:childTnLst>
+                    </p:cTn>
+                  </p:par>
+                  <p:par>
+                    <p:cTn id="9" fill="hold">
+                      <p:stCondLst>
+                        <p:cond delay="indefinite"/>
+                      </p:stCondLst>
+                      <p:childTnLst>
+                        <p:par>
+                          <p:cTn id="10" fill="hold">
+                            <p:stCondLst>
+                              <p:cond delay="0"/>
+                            </p:stCondLst>
+                            <p:childTnLst>
+                              <p:par>
+                                <p:cTn id="11" presetID="2" presetClass="entr" presetSubtype="4" fill="hold" nodeType="clickEffect">
+                                  <p:stCondLst>
+                                    <p:cond delay="0"/>
+                                  </p:stCondLst>
+                                  <p:childTnLst>
+                                    <p:set>
+                                      <p:cBhvr>
+                                        <p:cTn id="12" dur="1" fill="hold">
+                                          <p:stCondLst>
+                                            <p:cond delay="0"/>
+                                          </p:stCondLst>
+                                        </p:cTn>
+                                        <p:tgtEl>
+                                          <p:spTgt spid="3">
+                                            <p:txEl>
+                                              <p:pRg st="1" end="1"/>
+                                            </p:txEl>
+                                          </p:spTgt>
+                                        </p:tgtEl>
+                                        <p:attrNameLst>
+                                          <p:attrName>style.visibility</p:attrName>
+                                        </p:attrNameLst>
+                                      </p:cBhvr>
+                                      <p:to>
+                                        <p:strVal val="visible"/>
+                                      </p:to>
+                                    </p:set>
+                                    <p:anim calcmode="lin" valueType="num">
+                                      <p:cBhvr additive="base">
+                                        <p:cTn id="13" dur="500" fill="hold"/>
+                                        <p:tgtEl>
+                                          <p:spTgt spid="3">
+                                            <p:txEl>
+                                              <p:pRg st="1" end="1"/>
+                                            </p:txEl>
+                                          </p:spTgt>
+                                        </p:tgtEl>
+                                        <p:attrNameLst>
+                                          <p:attrName>ppt_x</p:attrName>
+                                        </p:attrNameLst>
+                                      </p:cBhvr>
+                                      <p:tavLst>
+                                        <p:tav tm="0">
+                                          <p:val>
+                                            <p:strVal val="#ppt_x"/>
+                                          </p:val>
+                                        </p:tav>
+                                        <p:tav tm="100000">
+                                          <p:val>
+                                            <p:strVal val="#ppt_x"/>
+                                          </p:val>
+                                        </p:tav>
+                                      </p:tavLst>
+                                    </p:anim>
+                                    <p:anim calcmode="lin" valueType="num">
+                                      <p:cBhvr additive="base">
+                                        <p:cTn id="14" dur="500" fill="hold"/>
+                                        <p:tgtEl>
+                                          <p:spTgt spid="3">
+                                            <p:txEl>
+                                              <p:pRg st="1" end="1"/>
+                                            </p:txEl>
+                                          </p:spTgt>
+                                        </p:tgtEl>
+                                        <p:attrNameLst>
+                                          <p:attrName>ppt_y</p:attrName>
+                                        </p:attrNameLst>
+                                      </p:cBhvr>
+                                      <p:tavLst>
+                                        <p:tav tm="0">
+                                          <p:val>
+                                            <p:strVal val="1+#ppt_h/2"/>
+                                          </p:val>
+                                        </p:tav>
+                                        <p:tav tm="100000">
+                                          <p:val>
+                                            <p:strVal val="#ppt_y"/>
+                                          </p:val>
+                                        </p:tav>
+                                      </p:tavLst>
+                                    </p:anim>
+                                  </p:childTnLst>
+                                </p:cTn>
+                              </p:par>
+                            </p:childTnLst>
+                          </p:cTn>
+                        </p:par>
+                      </p:childTnLst>
+                    </p:cTn>
+                  </p:par>
+                  <p:par>
+                    <p:cTn id="15" fill="hold">
+                      <p:stCondLst>
+                        <p:cond delay="indefinite"/>
+                      </p:stCondLst>
+                      <p:childTnLst>
+                        <p:par>
+                          <p:cTn id="16" fill="hold">
+                            <p:stCondLst>
+                              <p:cond delay="0"/>
+                            </p:stCondLst>
+                            <p:childTnLst>
+                              <p:par>
+                                <p:cTn id="17" presetID="2" presetClass="entr" presetSubtype="4" fill="hold" nodeType="clickEffect">
+                                  <p:stCondLst>
+                                    <p:cond delay="0"/>
+                                  </p:stCondLst>
+                                  <p:childTnLst>
+                                    <p:set>
+                                      <p:cBhvr>
+                                        <p:cTn id="18" dur="1" fill="hold">
+                                          <p:stCondLst>
+                                            <p:cond delay="0"/>
+                                          </p:stCondLst>
+                                        </p:cTn>
+                                        <p:tgtEl>
+                                          <p:spTgt spid="3">
+                                            <p:txEl>
+                                              <p:pRg st="2" end="2"/>
+                                            </p:txEl>
+                                          </p:spTgt>
+                                        </p:tgtEl>
+                                        <p:attrNameLst>
+                                          <p:attrName>style.visibility</p:attrName>
+                                        </p:attrNameLst>
+                                      </p:cBhvr>
+                                      <p:to>
+                                        <p:strVal val="visible"/>
+                                      </p:to>
+                                    </p:set>
+                                    <p:anim calcmode="lin" valueType="num">
+                                      <p:cBhvr additive="base">
+                                        <p:cTn id="19" dur="500" fill="hold"/>
+                                        <p:tgtEl>
+                                          <p:spTgt spid="3">
+                                            <p:txEl>
+                                              <p:pRg st="2" end="2"/>
+                                            </p:txEl>
+                                          </p:spTgt>
+                                        </p:tgtEl>
+                                        <p:attrNameLst>
+                                          <p:attrName>ppt_x</p:attrName>
+                                        </p:attrNameLst>
+                                      </p:cBhvr>
+                                      <p:tavLst>
+                                        <p:tav tm="0">
+                                          <p:val>
+                                            <p:strVal val="#ppt_x"/>
+                                          </p:val>
+                                        </p:tav>
+                                        <p:tav tm="100000">
+                                          <p:val>
+                                            <p:strVal val="#ppt_x"/>
+                                          </p:val>
+                                        </p:tav>
+                                      </p:tavLst>
+                                    </p:anim>
+                                    <p:anim calcmode="lin" valueType="num">
+                                      <p:cBhvr additive="base">
+                                        <p:cTn id="20" dur="500" fill="hold"/>
+                                        <p:tgtEl>
+                                          <p:spTgt spid="3">
+                                            <p:txEl>
+                                              <p:pRg st="2" end="2"/>
+                                            </p:txEl>
+                                          </p:spTgt>
+                                        </p:tgtEl>
+                                        <p:attrNameLst>
+                                          <p:attrName>ppt_y</p:attrName>
+                                        </p:attrNameLst>
+                                      </p:cBhvr>
+                                      <p:tavLst>
+                                        <p:tav tm="0">
+                                          <p:val>
+                                            <p:strVal val="1+#ppt_h/2"/>
+                                          </p:val>
+                                        </p:tav>
+                                        <p:tav tm="100000">
+                                          <p:val>
+                                            <p:strVal val="#ppt_y"/>
+                                          </p:val>
+                                        </p:tav>
+                                      </p:tavLst>
+                                    </p:anim>
+                                  </p:childTnLst>
+                                </p:cTn>
+                              </p:par>
+                            </p:childTnLst>
+                          </p:cTn>
+                        </p:par>
+                      </p:childTnLst>
+                    </p:cTn>
+                  </p:par>
+                  <p:par>
+                    <p:cTn id="21" fill="hold">
+                      <p:stCondLst>
+                        <p:cond delay="indefinite"/>
+                      </p:stCondLst>
+                      <p:childTnLst>
+                        <p:par>
+                          <p:cTn id="22" fill="hold">
+                            <p:stCondLst>
+                              <p:cond delay="0"/>
+                            </p:stCondLst>
+                            <p:childTnLst>
+                              <p:par>
+                                <p:cTn id="23" presetID="2" presetClass="entr" presetSubtype="4" fill="hold" nodeType="clickEffect">
+                                  <p:stCondLst>
+                                    <p:cond delay="0"/>
+                                  </p:stCondLst>
+                                  <p:childTnLst>
+                                    <p:set>
+                                      <p:cBhvr>
+                                        <p:cTn id="24" dur="1" fill="hold">
+                                          <p:stCondLst>
+                                            <p:cond delay="0"/>
+                                          </p:stCondLst>
+                                        </p:cTn>
+                                        <p:tgtEl>
+                                          <p:spTgt spid="3">
+                                            <p:txEl>
+                                              <p:pRg st="3" end="3"/>
+                                            </p:txEl>
+                                          </p:spTgt>
+                                        </p:tgtEl>
+                                        <p:attrNameLst>
+                                          <p:attrName>style.visibility</p:attrName>
+                                        </p:attrNameLst>
+                                      </p:cBhvr>
+                                      <p:to>
+                                        <p:strVal val="visible"/>
+                                      </p:to>
+                                    </p:set>
+                                    <p:anim calcmode="lin" valueType="num">
+                                      <p:cBhvr additive="base">
+                                        <p:cTn id="25" dur="500" fill="hold"/>
+                                        <p:tgtEl>
+                                          <p:spTgt spid="3">
+                                            <p:txEl>
+                                              <p:pRg st="3" end="3"/>
+                                            </p:txEl>
+                                          </p:spTgt>
+                                        </p:tgtEl>
+                                        <p:attrNameLst>
+                                          <p:attrName>ppt_x</p:attrName>
+                                        </p:attrNameLst>
+                                      </p:cBhvr>
+                                      <p:tavLst>
+                                        <p:tav tm="0">
+                                          <p:val>
+                                            <p:strVal val="#ppt_x"/>
+                                          </p:val>
+                                        </p:tav>
+                                        <p:tav tm="100000">
+                                          <p:val>
+                                            <p:strVal val="#ppt_x"/>
+                                          </p:val>
+                                        </p:tav>
+                                      </p:tavLst>
+                                    </p:anim>
+                                    <p:anim calcmode="lin" valueType="num">
+                                      <p:cBhvr additive="base">
+                                        <p:cTn id="26" dur="500" fill="hold"/>
+                                        <p:tgtEl>
+                                          <p:spTgt spid="3">
+                                            <p:txEl>
+                                              <p:pRg st="3" end="3"/>
+                                            </p:txEl>
+                                          </p:spTgt>
+                                        </p:tgtEl>
+                                        <p:attrNameLst>
+                                          <p:attrName>ppt_y</p:attrName>
+                                        </p:attrNameLst>
+                                      </p:cBhvr>
+                                      <p:tavLst>
+                                        <p:tav tm="0">
+                                          <p:val>
+                                            <p:strVal val="1+#ppt_h/2"/>
+                                          </p:val>
+                                        </p:tav>
+                                        <p:tav tm="100000">
+                                          <p:val>
+                                            <p:strVal val="#ppt_y"/>
+                                          </p:val>
+                                        </p:tav>
+                                      </p:tavLst>
+                                    </p:anim>
+                                  </p:childTnLst>
+                                </p:cTn>
+                              </p:par>
+                            </p:childTnLst>
+                          </p:cTn>
+                        </p:par>
+                      </p:childTnLst>
+                    </p:cTn>
+                  </p:par>
+                  <p:par>
+                    <p:cTn id="27" fill="hold">
+                      <p:stCondLst>
+                        <p:cond delay="indefinite"/>
+                      </p:stCondLst>
+                      <p:childTnLst>
+                        <p:par>
+                          <p:cTn id="28" fill="hold">
+                            <p:stCondLst>
+                              <p:cond delay="0"/>
+                            </p:stCondLst>
+                            <p:childTnLst>
+                              <p:par>
+                                <p:cTn id="29" presetID="2" presetClass="entr" presetSubtype="4" fill="hold" nodeType="clickEffect">
+                                  <p:stCondLst>
+                                    <p:cond delay="0"/>
+                                  </p:stCondLst>
+                                  <p:childTnLst>
+                                    <p:set>
+                                      <p:cBhvr>
+                                        <p:cTn id="30" dur="1" fill="hold">
+                                          <p:stCondLst>
+                                            <p:cond delay="0"/>
+                                          </p:stCondLst>
+                                        </p:cTn>
+                                        <p:tgtEl>
+                                          <p:spTgt spid="3">
+                                            <p:txEl>
+                                              <p:pRg st="4" end="4"/>
+                                            </p:txEl>
+                                          </p:spTgt>
+                                        </p:tgtEl>
+                                        <p:attrNameLst>
+                                          <p:attrName>style.visibility</p:attrName>
+                                        </p:attrNameLst>
+                                      </p:cBhvr>
+                                      <p:to>
+                                        <p:strVal val="visible"/>
+                                      </p:to>
+                                    </p:set>
+                                    <p:anim calcmode="lin" valueType="num">
+                                      <p:cBhvr additive="base">
+                                        <p:cTn id="31" dur="500" fill="hold"/>
+                                        <p:tgtEl>
+                                          <p:spTgt spid="3">
+                                            <p:txEl>
+                                              <p:pRg st="4" end="4"/>
+                                            </p:txEl>
+                                          </p:spTgt>
+                                        </p:tgtEl>
+                                        <p:attrNameLst>
+                                          <p:attrName>ppt_x</p:attrName>
+                                        </p:attrNameLst>
+                                      </p:cBhvr>
+                                      <p:tavLst>
+                                        <p:tav tm="0">
+                                          <p:val>
+                                            <p:strVal val="#ppt_x"/>
+                                          </p:val>
+                                        </p:tav>
+                                        <p:tav tm="100000">
+                                          <p:val>
+                                            <p:strVal val="#ppt_x"/>
+                                          </p:val>
+                                        </p:tav>
+                                      </p:tavLst>
+                                    </p:anim>
+                                    <p:anim calcmode="lin" valueType="num">
+                                      <p:cBhvr additive="base">
+                                        <p:cTn id="32" dur="500" fill="hold"/>
+                                        <p:tgtEl>
+                                          <p:spTgt spid="3">
+                                            <p:txEl>
+                                              <p:pRg st="4" end="4"/>
+                                            </p:txEl>
+                                          </p:spTgt>
+                                        </p:tgtEl>
+                                        <p:attrNameLst>
+                                          <p:attrName>ppt_y</p:attrName>
+                                        </p:attrNameLst>
+                                      </p:cBhvr>
+                                      <p:tavLst>
+                                        <p:tav tm="0">
+                                          <p:val>
+                                            <p:strVal val="1+#ppt_h/2"/>
+                                          </p:val>
+                                        </p:tav>
+                                        <p:tav tm="100000">
+                                          <p:val>
+                                            <p:strVal val="#ppt_y"/>
+                                          </p:val>
+                                        </p:tav>
+                                      </p:tavLst>
+                                    </p:anim>
+                                  </p:childTnLst>
+                                </p:cTn>
+                              </p:par>
+                            </p:childTnLst>
+                          </p:cTn>
+                        </p:par>
+                      </p:childTnLst>
+                    </p:cTn>
+                  </p:par>
+                  <p:par>
+                    <p:cTn id="33" fill="hold">
+                      <p:stCondLst>
+                        <p:cond delay="indefinite"/>
+                      </p:stCondLst>
+                      <p:childTnLst>
+                        <p:par>
+                          <p:cTn id="34" fill="hold">
+                            <p:stCondLst>
+                              <p:cond delay="0"/>
+                            </p:stCondLst>
+                            <p:childTnLst>
+                              <p:par>
+                                <p:cTn id="35" presetID="2" presetClass="entr" presetSubtype="4" fill="hold" nodeType="clickEffect">
+                                  <p:stCondLst>
+                                    <p:cond delay="0"/>
+                                  </p:stCondLst>
+                                  <p:childTnLst>
+                                    <p:set>
+                                      <p:cBhvr>
+                                        <p:cTn id="36" dur="1" fill="hold">
+                                          <p:stCondLst>
+                                            <p:cond delay="0"/>
+                                          </p:stCondLst>
+                                        </p:cTn>
+                                        <p:tgtEl>
+                                          <p:spTgt spid="3">
+                                            <p:txEl>
+                                              <p:pRg st="5" end="5"/>
+                                            </p:txEl>
+                                          </p:spTgt>
+                                        </p:tgtEl>
+                                        <p:attrNameLst>
+                                          <p:attrName>style.visibility</p:attrName>
+                                        </p:attrNameLst>
+                                      </p:cBhvr>
+                                      <p:to>
+                                        <p:strVal val="visible"/>
+                                      </p:to>
+                                    </p:set>
+                                    <p:anim calcmode="lin" valueType="num">
+                                      <p:cBhvr additive="base">
+                                        <p:cTn id="37" dur="500" fill="hold"/>
+                                        <p:tgtEl>
+                                          <p:spTgt spid="3">
+                                            <p:txEl>
+                                              <p:pRg st="5" end="5"/>
+                                            </p:txEl>
+                                          </p:spTgt>
+                                        </p:tgtEl>
+                                        <p:attrNameLst>
+                                          <p:attrName>ppt_x</p:attrName>
+                                        </p:attrNameLst>
+                                      </p:cBhvr>
+                                      <p:tavLst>
+                                        <p:tav tm="0">
+                                          <p:val>
+                                            <p:strVal val="#ppt_x"/>
+                                          </p:val>
+                                        </p:tav>
+                                        <p:tav tm="100000">
+                                          <p:val>
+                                            <p:strVal val="#ppt_x"/>
+                                          </p:val>
+                                        </p:tav>
+                                      </p:tavLst>
+                                    </p:anim>
+                                    <p:anim calcmode="lin" valueType="num">
+                                      <p:cBhvr additive="base">
+                                        <p:cTn id="38" dur="500" fill="hold"/>
+                                        <p:tgtEl>
+                                          <p:spTgt spid="3">
+                                            <p:txEl>
+                                              <p:pRg st="5" end="5"/>
+                                            </p:txEl>
+                                          </p:spTgt>
+                                        </p:tgtEl>
+                                        <p:attrNameLst>
+                                          <p:attrName>ppt_y</p:attrName>
+                                        </p:attrNameLst>
+                                      </p:cBhvr>
+                                      <p:tavLst>
+                                        <p:tav tm="0">
+                                          <p:val>
+                                            <p:strVal val="1+#ppt_h/2"/>
+                                          </p:val>
+                                        </p:tav>
+                                        <p:tav tm="100000">
+                                          <p:val>
+                                            <p:strVal val="#ppt_y"/>
+                                          </p:val>
+                                        </p:tav>
+                                      </p:tavLst>
+                                    </p:anim>
+                                  </p:childTnLst>
+                                </p:cTn>
+                              </p:par>
+                            </p:childTnLst>
+                          </p:cTn>
+                        </p:par>
+                      </p:childTnLst>
+                    </p:cTn>
+                  </p:par>
+                  <p:par>
+                    <p:cTn id="39" fill="hold">
+                      <p:stCondLst>
+                        <p:cond delay="indefinite"/>
+                      </p:stCondLst>
+                      <p:childTnLst>
+                        <p:par>
+                          <p:cTn id="40" fill="hold">
+                            <p:stCondLst>
+                              <p:cond delay="0"/>
+                            </p:stCondLst>
+                            <p:childTnLst>
+                              <p:par>
+                                <p:cTn id="41" presetID="2" presetClass="entr" presetSubtype="4" fill="hold" nodeType="clickEffect">
+                                  <p:stCondLst>
+                                    <p:cond delay="0"/>
+                                  </p:stCondLst>
+                                  <p:childTnLst>
+                                    <p:set>
+                                      <p:cBhvr>
+                                        <p:cTn id="42" dur="1" fill="hold">
+                                          <p:stCondLst>
+                                            <p:cond delay="0"/>
+                                          </p:stCondLst>
+                                        </p:cTn>
+                                        <p:tgtEl>
+                                          <p:spTgt spid="3">
+                                            <p:txEl>
+                                              <p:pRg st="6" end="6"/>
+                                            </p:txEl>
+                                          </p:spTgt>
+                                        </p:tgtEl>
+                                        <p:attrNameLst>
+                                          <p:attrName>style.visibility</p:attrName>
+                                        </p:attrNameLst>
+                                      </p:cBhvr>
+                                      <p:to>
+                                        <p:strVal val="visible"/>
+                                      </p:to>
+                                    </p:set>
+                                    <p:anim calcmode="lin" valueType="num">
+                                      <p:cBhvr additive="base">
+                                        <p:cTn id="43" dur="500" fill="hold"/>
+                                        <p:tgtEl>
+                                          <p:spTgt spid="3">
+                                            <p:txEl>
+                                              <p:pRg st="6" end="6"/>
+                                            </p:txEl>
+                                          </p:spTgt>
+                                        </p:tgtEl>
+                                        <p:attrNameLst>
+                                          <p:attrName>ppt_x</p:attrName>
+                                        </p:attrNameLst>
+                                      </p:cBhvr>
+                                      <p:tavLst>
+                                        <p:tav tm="0">
+                                          <p:val>
+                                            <p:strVal val="#ppt_x"/>
+                                          </p:val>
+                                        </p:tav>
+                                        <p:tav tm="100000">
+                                          <p:val>
+                                            <p:strVal val="#ppt_x"/>
+                                          </p:val>
+                                        </p:tav>
+                                      </p:tavLst>
+                                    </p:anim>
+                                    <p:anim calcmode="lin" valueType="num">
+                                      <p:cBhvr additive="base">
+                                        <p:cTn id="44" dur="500" fill="hold"/>
+                                        <p:tgtEl>
+                                          <p:spTgt spid="3">
+                                            <p:txEl>
+                                              <p:pRg st="6" end="6"/>
+                                            </p:txEl>
+                                          </p:spTgt>
+                                        </p:tgtEl>
+                                        <p:attrNameLst>
+                                          <p:attrName>ppt_y</p:attrName>
+                                        </p:attrNameLst>
+                                      </p:cBhvr>
+                                      <p:tavLst>
+                                        <p:tav tm="0">
+                                          <p:val>
+                                            <p:strVal val="1+#ppt_h/2"/>
+                                          </p:val>
+                                        </p:tav>
+                                        <p:tav tm="100000">
+                                          <p:val>
+                                            <p:strVal val="#ppt_y"/>
+                                          </p:val>
+                                        </p:tav>
+                                      </p:tavLst>
+                                    </p:anim>
+                                  </p:childTnLst>
+                                </p:cTn>
+                              </p:par>
+                            </p:childTnLst>
+                          </p:cTn>
+                        </p:par>
+                      </p:childTnLst>
+                    </p:cTn>
+                  </p:par>
+                </p:childTnLst>
+              </p:cTn>
+              <p:prevCondLst>
+                <p:cond evt="onPrev" delay="0">
+                  <p:tgtEl>
+                    <p:sldTgt/>
+                  </p:tgtEl>
+                </p:cond>
+              </p:prevCondLst>
+              <p:nextCondLst>
+                <p:cond evt="onNext" delay="0">
+                  <p:tgtEl>
+                    <p:sldTgt/>
+                  </p:tgtEl>
+                </p:cond>
+              </p:nextCondLst>
+            </p:seq>
+          </p:childTnLst>
+        </p:cTn>
+      </p:par>
+    </p:tnLst>
+  </p:timing>
 </p:sld>
 </file>
 
